--- a/Team 8_UsedCarsPricePrediction.pptx
+++ b/Team 8_UsedCarsPricePrediction.pptx
@@ -11,6 +11,12 @@
     <p:sldId id="273" r:id="rId5"/>
     <p:sldId id="275" r:id="rId6"/>
     <p:sldId id="287" r:id="rId7"/>
+    <p:sldId id="280" r:id="rId8"/>
+    <p:sldId id="281" r:id="rId9"/>
+    <p:sldId id="284" r:id="rId10"/>
+    <p:sldId id="291" r:id="rId11"/>
+    <p:sldId id="294" r:id="rId12"/>
+    <p:sldId id="292" r:id="rId13"/>
   </p:sldIdLst>
   <p:sldSz cx="12192000" cy="6858000"/>
   <p:notesSz cx="6858000" cy="9144000"/>
@@ -115,6 +121,107 @@
     </p:ext>
   </p:extLst>
 </p:presentation>
+</file>
+
+<file path=ppt/revisionInfo.xml><?xml version="1.0" encoding="utf-8"?>
+<p1510:revInfo xmlns:a="http://schemas.openxmlformats.org/drawingml/2006/main" xmlns:r="http://schemas.openxmlformats.org/officeDocument/2006/relationships" xmlns:p1510="http://schemas.microsoft.com/office/powerpoint/2015/10/main">
+  <p1510:revLst>
+    <p1510:client id="{73DD499E-E36D-441F-9DD7-CB1A260157A9}" v="2" dt="2022-10-27T03:52:46.502"/>
+  </p1510:revLst>
+</p1510:revInfo>
+</file>
+
+<file path=ppt/changesInfos/changesInfo1.xml><?xml version="1.0" encoding="utf-8"?>
+<pc:chgInfo xmlns:a="http://schemas.openxmlformats.org/drawingml/2006/main" xmlns:r="http://schemas.openxmlformats.org/officeDocument/2006/relationships" xmlns:ac="http://schemas.microsoft.com/office/drawing/2013/main/command" xmlns:pc="http://schemas.microsoft.com/office/powerpoint/2013/main/command">
+  <pc:docChgLst>
+    <pc:chgData name="Yashwant Bhaidkar" userId="43c987480cbf8a3d" providerId="LiveId" clId="{73DD499E-E36D-441F-9DD7-CB1A260157A9}"/>
+    <pc:docChg chg="addSld delSld modSld">
+      <pc:chgData name="Yashwant Bhaidkar" userId="43c987480cbf8a3d" providerId="LiveId" clId="{73DD499E-E36D-441F-9DD7-CB1A260157A9}" dt="2022-10-27T03:53:06.907" v="5" actId="47"/>
+      <pc:docMkLst>
+        <pc:docMk/>
+      </pc:docMkLst>
+      <pc:sldChg chg="add">
+        <pc:chgData name="Yashwant Bhaidkar" userId="43c987480cbf8a3d" providerId="LiveId" clId="{73DD499E-E36D-441F-9DD7-CB1A260157A9}" dt="2022-10-27T03:51:55.117" v="0"/>
+        <pc:sldMkLst>
+          <pc:docMk/>
+          <pc:sldMk cId="1156956651" sldId="280"/>
+        </pc:sldMkLst>
+      </pc:sldChg>
+      <pc:sldChg chg="add">
+        <pc:chgData name="Yashwant Bhaidkar" userId="43c987480cbf8a3d" providerId="LiveId" clId="{73DD499E-E36D-441F-9DD7-CB1A260157A9}" dt="2022-10-27T03:51:55.117" v="0"/>
+        <pc:sldMkLst>
+          <pc:docMk/>
+          <pc:sldMk cId="4240995465" sldId="281"/>
+        </pc:sldMkLst>
+      </pc:sldChg>
+      <pc:sldChg chg="add">
+        <pc:chgData name="Yashwant Bhaidkar" userId="43c987480cbf8a3d" providerId="LiveId" clId="{73DD499E-E36D-441F-9DD7-CB1A260157A9}" dt="2022-10-27T03:51:55.117" v="0"/>
+        <pc:sldMkLst>
+          <pc:docMk/>
+          <pc:sldMk cId="2365573565" sldId="284"/>
+        </pc:sldMkLst>
+      </pc:sldChg>
+      <pc:sldChg chg="add del">
+        <pc:chgData name="Yashwant Bhaidkar" userId="43c987480cbf8a3d" providerId="LiveId" clId="{73DD499E-E36D-441F-9DD7-CB1A260157A9}" dt="2022-10-27T03:52:57.267" v="3" actId="47"/>
+        <pc:sldMkLst>
+          <pc:docMk/>
+          <pc:sldMk cId="172669892" sldId="288"/>
+        </pc:sldMkLst>
+      </pc:sldChg>
+      <pc:sldChg chg="add del">
+        <pc:chgData name="Yashwant Bhaidkar" userId="43c987480cbf8a3d" providerId="LiveId" clId="{73DD499E-E36D-441F-9DD7-CB1A260157A9}" dt="2022-10-27T03:53:00.317" v="4" actId="47"/>
+        <pc:sldMkLst>
+          <pc:docMk/>
+          <pc:sldMk cId="748516733" sldId="289"/>
+        </pc:sldMkLst>
+      </pc:sldChg>
+      <pc:sldChg chg="add del">
+        <pc:chgData name="Yashwant Bhaidkar" userId="43c987480cbf8a3d" providerId="LiveId" clId="{73DD499E-E36D-441F-9DD7-CB1A260157A9}" dt="2022-10-27T03:53:06.907" v="5" actId="47"/>
+        <pc:sldMkLst>
+          <pc:docMk/>
+          <pc:sldMk cId="696015562" sldId="290"/>
+        </pc:sldMkLst>
+      </pc:sldChg>
+      <pc:sldChg chg="add">
+        <pc:chgData name="Yashwant Bhaidkar" userId="43c987480cbf8a3d" providerId="LiveId" clId="{73DD499E-E36D-441F-9DD7-CB1A260157A9}" dt="2022-10-27T03:52:46.498" v="2"/>
+        <pc:sldMkLst>
+          <pc:docMk/>
+          <pc:sldMk cId="2008371226" sldId="291"/>
+        </pc:sldMkLst>
+      </pc:sldChg>
+      <pc:sldChg chg="add">
+        <pc:chgData name="Yashwant Bhaidkar" userId="43c987480cbf8a3d" providerId="LiveId" clId="{73DD499E-E36D-441F-9DD7-CB1A260157A9}" dt="2022-10-27T03:52:46.498" v="2"/>
+        <pc:sldMkLst>
+          <pc:docMk/>
+          <pc:sldMk cId="1004311777" sldId="292"/>
+        </pc:sldMkLst>
+      </pc:sldChg>
+      <pc:sldChg chg="delSp add setBg delDesignElem">
+        <pc:chgData name="Yashwant Bhaidkar" userId="43c987480cbf8a3d" providerId="LiveId" clId="{73DD499E-E36D-441F-9DD7-CB1A260157A9}" dt="2022-10-27T03:52:46.498" v="2"/>
+        <pc:sldMkLst>
+          <pc:docMk/>
+          <pc:sldMk cId="2602693387" sldId="294"/>
+        </pc:sldMkLst>
+        <pc:spChg chg="del">
+          <ac:chgData name="Yashwant Bhaidkar" userId="43c987480cbf8a3d" providerId="LiveId" clId="{73DD499E-E36D-441F-9DD7-CB1A260157A9}" dt="2022-10-27T03:52:46.498" v="2"/>
+          <ac:spMkLst>
+            <pc:docMk/>
+            <pc:sldMk cId="2602693387" sldId="294"/>
+            <ac:spMk id="8" creationId="{F1ACBE00-0221-433D-8EA5-D9D7B45F35BE}"/>
+          </ac:spMkLst>
+        </pc:spChg>
+        <pc:spChg chg="del">
+          <ac:chgData name="Yashwant Bhaidkar" userId="43c987480cbf8a3d" providerId="LiveId" clId="{73DD499E-E36D-441F-9DD7-CB1A260157A9}" dt="2022-10-27T03:52:46.498" v="2"/>
+          <ac:spMkLst>
+            <pc:docMk/>
+            <pc:sldMk cId="2602693387" sldId="294"/>
+            <ac:spMk id="10" creationId="{EFB0C39A-F8CA-4A79-AFFC-E9780FB1991A}"/>
+          </ac:spMkLst>
+        </pc:spChg>
+      </pc:sldChg>
+    </pc:docChg>
+  </pc:docChgLst>
+</pc:chgInfo>
 </file>
 
 <file path=ppt/slideLayouts/slideLayout1.xml><?xml version="1.0" encoding="utf-8"?>
@@ -4101,6 +4208,351 @@
 </p:sld>
 </file>
 
+<file path=ppt/slides/slide10.xml><?xml version="1.0" encoding="utf-8"?>
+<p:sld xmlns:a="http://schemas.openxmlformats.org/drawingml/2006/main" xmlns:r="http://schemas.openxmlformats.org/officeDocument/2006/relationships" xmlns:p="http://schemas.openxmlformats.org/presentationml/2006/main">
+  <p:cSld>
+    <p:spTree>
+      <p:nvGrpSpPr>
+        <p:cNvPr id="1" name=""/>
+        <p:cNvGrpSpPr/>
+        <p:nvPr/>
+      </p:nvGrpSpPr>
+      <p:grpSpPr>
+        <a:xfrm>
+          <a:off x="0" y="0"/>
+          <a:ext cx="0" cy="0"/>
+          <a:chOff x="0" y="0"/>
+          <a:chExt cx="0" cy="0"/>
+        </a:xfrm>
+      </p:grpSpPr>
+      <p:sp>
+        <p:nvSpPr>
+          <p:cNvPr id="2" name="Title 1">
+            <a:extLst>
+              <a:ext uri="{FF2B5EF4-FFF2-40B4-BE49-F238E27FC236}">
+                <a16:creationId xmlns:a16="http://schemas.microsoft.com/office/drawing/2014/main" id="{BAA21571-DC98-035D-5F3F-3790BBE1CB08}"/>
+              </a:ext>
+            </a:extLst>
+          </p:cNvPr>
+          <p:cNvSpPr txBox="1">
+            <a:spLocks/>
+          </p:cNvSpPr>
+          <p:nvPr/>
+        </p:nvSpPr>
+        <p:spPr>
+          <a:xfrm>
+            <a:off x="648432" y="518160"/>
+            <a:ext cx="10583451" cy="726440"/>
+          </a:xfrm>
+          <a:prstGeom prst="rect">
+            <a:avLst/>
+          </a:prstGeom>
+        </p:spPr>
+        <p:txBody>
+          <a:bodyPr>
+            <a:normAutofit/>
+          </a:bodyPr>
+          <a:lstStyle>
+            <a:lvl1pPr algn="l" defTabSz="914400" rtl="0" eaLnBrk="1" latinLnBrk="0" hangingPunct="1">
+              <a:lnSpc>
+                <a:spcPct val="90000"/>
+              </a:lnSpc>
+              <a:spcBef>
+                <a:spcPct val="0"/>
+              </a:spcBef>
+              <a:buNone/>
+              <a:defRPr sz="4400" kern="1200" spc="-50" baseline="0">
+                <a:solidFill>
+                  <a:schemeClr val="tx1"/>
+                </a:solidFill>
+                <a:latin typeface="+mj-lt"/>
+                <a:ea typeface="+mj-ea"/>
+                <a:cs typeface="+mj-cs"/>
+              </a:defRPr>
+            </a:lvl1pPr>
+          </a:lstStyle>
+          <a:p>
+            <a:r>
+              <a:rPr lang="en-IN" sz="3000" b="1" dirty="0">
+                <a:solidFill>
+                  <a:schemeClr val="accent1"/>
+                </a:solidFill>
+                <a:latin typeface="Calibri" panose="020F0502020204030204" pitchFamily="34" charset="0"/>
+                <a:cs typeface="Calibri" panose="020F0502020204030204" pitchFamily="34" charset="0"/>
+              </a:rPr>
+              <a:t>Does unknown features have any impact on car prices?</a:t>
+            </a:r>
+            <a:endParaRPr lang="hi-IN" sz="3000" dirty="0">
+              <a:solidFill>
+                <a:schemeClr val="accent1"/>
+              </a:solidFill>
+            </a:endParaRPr>
+          </a:p>
+        </p:txBody>
+      </p:sp>
+      <p:pic>
+        <p:nvPicPr>
+          <p:cNvPr id="3" name="Picture 2">
+            <a:extLst>
+              <a:ext uri="{FF2B5EF4-FFF2-40B4-BE49-F238E27FC236}">
+                <a16:creationId xmlns:a16="http://schemas.microsoft.com/office/drawing/2014/main" id="{63B1F846-5FFD-F430-3F35-D88235661B05}"/>
+              </a:ext>
+            </a:extLst>
+          </p:cNvPr>
+          <p:cNvPicPr>
+            <a:picLocks noChangeAspect="1"/>
+          </p:cNvPicPr>
+          <p:nvPr/>
+        </p:nvPicPr>
+        <p:blipFill>
+          <a:blip r:embed="rId2"/>
+          <a:stretch>
+            <a:fillRect/>
+          </a:stretch>
+        </p:blipFill>
+        <p:spPr>
+          <a:xfrm>
+            <a:off x="816734" y="1551106"/>
+            <a:ext cx="4677751" cy="3755788"/>
+          </a:xfrm>
+          <a:prstGeom prst="rect">
+            <a:avLst/>
+          </a:prstGeom>
+        </p:spPr>
+      </p:pic>
+      <p:pic>
+        <p:nvPicPr>
+          <p:cNvPr id="4" name="Picture 3">
+            <a:extLst>
+              <a:ext uri="{FF2B5EF4-FFF2-40B4-BE49-F238E27FC236}">
+                <a16:creationId xmlns:a16="http://schemas.microsoft.com/office/drawing/2014/main" id="{7A9AA6F4-B97B-C0C4-DF9E-A42A3523F5D2}"/>
+              </a:ext>
+            </a:extLst>
+          </p:cNvPr>
+          <p:cNvPicPr>
+            <a:picLocks noChangeAspect="1"/>
+          </p:cNvPicPr>
+          <p:nvPr/>
+        </p:nvPicPr>
+        <p:blipFill>
+          <a:blip r:embed="rId3"/>
+          <a:stretch>
+            <a:fillRect/>
+          </a:stretch>
+        </p:blipFill>
+        <p:spPr>
+          <a:xfrm>
+            <a:off x="5940158" y="1551106"/>
+            <a:ext cx="4749684" cy="3755787"/>
+          </a:xfrm>
+          <a:prstGeom prst="rect">
+            <a:avLst/>
+          </a:prstGeom>
+        </p:spPr>
+      </p:pic>
+    </p:spTree>
+    <p:extLst>
+      <p:ext uri="{BB962C8B-B14F-4D97-AF65-F5344CB8AC3E}">
+        <p14:creationId xmlns:p14="http://schemas.microsoft.com/office/powerpoint/2010/main" val="2008371226"/>
+      </p:ext>
+    </p:extLst>
+  </p:cSld>
+  <p:clrMapOvr>
+    <a:masterClrMapping/>
+  </p:clrMapOvr>
+</p:sld>
+</file>
+
+<file path=ppt/slides/slide11.xml><?xml version="1.0" encoding="utf-8"?>
+<p:sld xmlns:a="http://schemas.openxmlformats.org/drawingml/2006/main" xmlns:r="http://schemas.openxmlformats.org/officeDocument/2006/relationships" xmlns:p="http://schemas.openxmlformats.org/presentationml/2006/main">
+  <p:cSld>
+    <p:spTree>
+      <p:nvGrpSpPr>
+        <p:cNvPr id="1" name=""/>
+        <p:cNvGrpSpPr/>
+        <p:nvPr/>
+      </p:nvGrpSpPr>
+      <p:grpSpPr>
+        <a:xfrm>
+          <a:off x="0" y="0"/>
+          <a:ext cx="0" cy="0"/>
+          <a:chOff x="0" y="0"/>
+          <a:chExt cx="0" cy="0"/>
+        </a:xfrm>
+      </p:grpSpPr>
+      <p:pic>
+        <p:nvPicPr>
+          <p:cNvPr id="5" name="Picture 3" descr="Yellow question mark">
+            <a:extLst>
+              <a:ext uri="{FF2B5EF4-FFF2-40B4-BE49-F238E27FC236}">
+                <a16:creationId xmlns:a16="http://schemas.microsoft.com/office/drawing/2014/main" id="{CA171B33-76E0-F3D8-EA72-D75DBCCD6473}"/>
+              </a:ext>
+            </a:extLst>
+          </p:cNvPr>
+          <p:cNvPicPr>
+            <a:picLocks noChangeAspect="1"/>
+          </p:cNvPicPr>
+          <p:nvPr/>
+        </p:nvPicPr>
+        <p:blipFill rotWithShape="1">
+          <a:blip r:embed="rId2">
+            <a:alphaModFix amt="40000"/>
+          </a:blip>
+          <a:srcRect b="6250"/>
+          <a:stretch/>
+        </p:blipFill>
+        <p:spPr>
+          <a:xfrm>
+            <a:off x="20" y="-2"/>
+            <a:ext cx="12191980" cy="6858000"/>
+          </a:xfrm>
+          <a:prstGeom prst="rect">
+            <a:avLst/>
+          </a:prstGeom>
+        </p:spPr>
+      </p:pic>
+      <p:sp>
+        <p:nvSpPr>
+          <p:cNvPr id="2" name="Title 1">
+            <a:extLst>
+              <a:ext uri="{FF2B5EF4-FFF2-40B4-BE49-F238E27FC236}">
+                <a16:creationId xmlns:a16="http://schemas.microsoft.com/office/drawing/2014/main" id="{BAA21571-DC98-035D-5F3F-3790BBE1CB08}"/>
+              </a:ext>
+            </a:extLst>
+          </p:cNvPr>
+          <p:cNvSpPr txBox="1">
+            <a:spLocks/>
+          </p:cNvSpPr>
+          <p:nvPr/>
+        </p:nvSpPr>
+        <p:spPr>
+          <a:xfrm>
+            <a:off x="845449" y="3825240"/>
+            <a:ext cx="9570583" cy="1371600"/>
+          </a:xfrm>
+          <a:prstGeom prst="rect">
+            <a:avLst/>
+          </a:prstGeom>
+        </p:spPr>
+        <p:txBody>
+          <a:bodyPr vert="horz" lIns="91440" tIns="45720" rIns="91440" bIns="45720" rtlCol="0" anchor="b">
+            <a:normAutofit/>
+          </a:bodyPr>
+          <a:lstStyle>
+            <a:lvl1pPr algn="l" defTabSz="914400" rtl="0" eaLnBrk="1" latinLnBrk="0" hangingPunct="1">
+              <a:lnSpc>
+                <a:spcPct val="90000"/>
+              </a:lnSpc>
+              <a:spcBef>
+                <a:spcPct val="0"/>
+              </a:spcBef>
+              <a:buNone/>
+              <a:defRPr sz="4400" kern="1200" spc="-50" baseline="0">
+                <a:solidFill>
+                  <a:schemeClr val="tx1"/>
+                </a:solidFill>
+                <a:latin typeface="+mj-lt"/>
+                <a:ea typeface="+mj-ea"/>
+                <a:cs typeface="+mj-cs"/>
+              </a:defRPr>
+            </a:lvl1pPr>
+          </a:lstStyle>
+          <a:p>
+            <a:pPr>
+              <a:lnSpc>
+                <a:spcPct val="85000"/>
+              </a:lnSpc>
+              <a:spcAft>
+                <a:spcPts val="600"/>
+              </a:spcAft>
+            </a:pPr>
+            <a:r>
+              <a:rPr lang="en-US" sz="7200" b="1" dirty="0">
+                <a:latin typeface="Calibri" panose="020F0502020204030204" pitchFamily="34" charset="0"/>
+                <a:cs typeface="Calibri" panose="020F0502020204030204" pitchFamily="34" charset="0"/>
+              </a:rPr>
+              <a:t>QUESTIONS?</a:t>
+            </a:r>
+            <a:endParaRPr lang="en-US" sz="7200" dirty="0">
+              <a:latin typeface="Calibri" panose="020F0502020204030204" pitchFamily="34" charset="0"/>
+              <a:cs typeface="Calibri" panose="020F0502020204030204" pitchFamily="34" charset="0"/>
+            </a:endParaRPr>
+          </a:p>
+        </p:txBody>
+      </p:sp>
+    </p:spTree>
+    <p:extLst>
+      <p:ext uri="{BB962C8B-B14F-4D97-AF65-F5344CB8AC3E}">
+        <p14:creationId xmlns:p14="http://schemas.microsoft.com/office/powerpoint/2010/main" val="2602693387"/>
+      </p:ext>
+    </p:extLst>
+  </p:cSld>
+  <p:clrMapOvr>
+    <a:masterClrMapping/>
+  </p:clrMapOvr>
+</p:sld>
+</file>
+
+<file path=ppt/slides/slide12.xml><?xml version="1.0" encoding="utf-8"?>
+<p:sld xmlns:a="http://schemas.openxmlformats.org/drawingml/2006/main" xmlns:r="http://schemas.openxmlformats.org/officeDocument/2006/relationships" xmlns:p="http://schemas.openxmlformats.org/presentationml/2006/main">
+  <p:cSld>
+    <p:spTree>
+      <p:nvGrpSpPr>
+        <p:cNvPr id="1" name=""/>
+        <p:cNvGrpSpPr/>
+        <p:nvPr/>
+      </p:nvGrpSpPr>
+      <p:grpSpPr>
+        <a:xfrm>
+          <a:off x="0" y="0"/>
+          <a:ext cx="0" cy="0"/>
+          <a:chOff x="0" y="0"/>
+          <a:chExt cx="0" cy="0"/>
+        </a:xfrm>
+      </p:grpSpPr>
+      <p:pic>
+        <p:nvPicPr>
+          <p:cNvPr id="6" name="Picture 5">
+            <a:extLst>
+              <a:ext uri="{FF2B5EF4-FFF2-40B4-BE49-F238E27FC236}">
+                <a16:creationId xmlns:a16="http://schemas.microsoft.com/office/drawing/2014/main" id="{323A4C63-367B-4869-2832-C4D099D1F7D5}"/>
+              </a:ext>
+            </a:extLst>
+          </p:cNvPr>
+          <p:cNvPicPr>
+            <a:picLocks noChangeAspect="1"/>
+          </p:cNvPicPr>
+          <p:nvPr/>
+        </p:nvPicPr>
+        <p:blipFill>
+          <a:blip r:embed="rId2"/>
+          <a:stretch>
+            <a:fillRect/>
+          </a:stretch>
+        </p:blipFill>
+        <p:spPr>
+          <a:xfrm>
+            <a:off x="0" y="0"/>
+            <a:ext cx="12192000" cy="6857999"/>
+          </a:xfrm>
+          <a:prstGeom prst="rect">
+            <a:avLst/>
+          </a:prstGeom>
+        </p:spPr>
+      </p:pic>
+    </p:spTree>
+    <p:extLst>
+      <p:ext uri="{BB962C8B-B14F-4D97-AF65-F5344CB8AC3E}">
+        <p14:creationId xmlns:p14="http://schemas.microsoft.com/office/powerpoint/2010/main" val="1004311777"/>
+      </p:ext>
+    </p:extLst>
+  </p:cSld>
+  <p:clrMapOvr>
+    <a:masterClrMapping/>
+  </p:clrMapOvr>
+</p:sld>
+</file>
+
 <file path=ppt/slides/slide2.xml><?xml version="1.0" encoding="utf-8"?>
 <p:sld xmlns:a="http://schemas.openxmlformats.org/drawingml/2006/main" xmlns:r="http://schemas.openxmlformats.org/officeDocument/2006/relationships" xmlns:p="http://schemas.openxmlformats.org/presentationml/2006/main">
   <p:cSld>
@@ -6350,6 +6802,573 @@
     <p:extLst>
       <p:ext uri="{BB962C8B-B14F-4D97-AF65-F5344CB8AC3E}">
         <p14:creationId xmlns:p14="http://schemas.microsoft.com/office/powerpoint/2010/main" val="4197896755"/>
+      </p:ext>
+    </p:extLst>
+  </p:cSld>
+  <p:clrMapOvr>
+    <a:masterClrMapping/>
+  </p:clrMapOvr>
+</p:sld>
+</file>
+
+<file path=ppt/slides/slide7.xml><?xml version="1.0" encoding="utf-8"?>
+<p:sld xmlns:a="http://schemas.openxmlformats.org/drawingml/2006/main" xmlns:r="http://schemas.openxmlformats.org/officeDocument/2006/relationships" xmlns:p="http://schemas.openxmlformats.org/presentationml/2006/main">
+  <p:cSld>
+    <p:spTree>
+      <p:nvGrpSpPr>
+        <p:cNvPr id="1" name=""/>
+        <p:cNvGrpSpPr/>
+        <p:nvPr/>
+      </p:nvGrpSpPr>
+      <p:grpSpPr>
+        <a:xfrm>
+          <a:off x="0" y="0"/>
+          <a:ext cx="0" cy="0"/>
+          <a:chOff x="0" y="0"/>
+          <a:chExt cx="0" cy="0"/>
+        </a:xfrm>
+      </p:grpSpPr>
+      <p:sp>
+        <p:nvSpPr>
+          <p:cNvPr id="2" name="Title 1">
+            <a:extLst>
+              <a:ext uri="{FF2B5EF4-FFF2-40B4-BE49-F238E27FC236}">
+                <a16:creationId xmlns:a16="http://schemas.microsoft.com/office/drawing/2014/main" id="{85D68B87-8425-2E67-9305-626AB64EF350}"/>
+              </a:ext>
+            </a:extLst>
+          </p:cNvPr>
+          <p:cNvSpPr>
+            <a:spLocks noGrp="1"/>
+          </p:cNvSpPr>
+          <p:nvPr>
+            <p:ph type="title"/>
+          </p:nvPr>
+        </p:nvSpPr>
+        <p:spPr>
+          <a:xfrm>
+            <a:off x="288956" y="469900"/>
+            <a:ext cx="10583451" cy="611822"/>
+          </a:xfrm>
+        </p:spPr>
+        <p:txBody>
+          <a:bodyPr>
+            <a:normAutofit/>
+          </a:bodyPr>
+          <a:lstStyle/>
+          <a:p>
+            <a:r>
+              <a:rPr lang="en-IN" sz="3000" b="1" dirty="0">
+                <a:solidFill>
+                  <a:schemeClr val="accent1"/>
+                </a:solidFill>
+                <a:latin typeface="Calibri" panose="020F0502020204030204" pitchFamily="34" charset="0"/>
+                <a:cs typeface="Calibri" panose="020F0502020204030204" pitchFamily="34" charset="0"/>
+              </a:rPr>
+              <a:t>Does the odometer value have any impact on the car prices?</a:t>
+            </a:r>
+            <a:endParaRPr lang="hi-IN" sz="3000" dirty="0">
+              <a:solidFill>
+                <a:schemeClr val="accent1"/>
+              </a:solidFill>
+            </a:endParaRPr>
+          </a:p>
+        </p:txBody>
+      </p:sp>
+      <p:pic>
+        <p:nvPicPr>
+          <p:cNvPr id="5" name="Picture 4">
+            <a:extLst>
+              <a:ext uri="{FF2B5EF4-FFF2-40B4-BE49-F238E27FC236}">
+                <a16:creationId xmlns:a16="http://schemas.microsoft.com/office/drawing/2014/main" id="{A49F0F30-8D27-DF66-049F-FE518EC1D974}"/>
+              </a:ext>
+            </a:extLst>
+          </p:cNvPr>
+          <p:cNvPicPr>
+            <a:picLocks noChangeAspect="1"/>
+          </p:cNvPicPr>
+          <p:nvPr/>
+        </p:nvPicPr>
+        <p:blipFill>
+          <a:blip r:embed="rId2"/>
+          <a:stretch>
+            <a:fillRect/>
+          </a:stretch>
+        </p:blipFill>
+        <p:spPr>
+          <a:xfrm>
+            <a:off x="5430458" y="1828361"/>
+            <a:ext cx="5662658" cy="3241743"/>
+          </a:xfrm>
+          <a:prstGeom prst="rect">
+            <a:avLst/>
+          </a:prstGeom>
+        </p:spPr>
+      </p:pic>
+      <p:pic>
+        <p:nvPicPr>
+          <p:cNvPr id="6" name="Picture 5">
+            <a:extLst>
+              <a:ext uri="{FF2B5EF4-FFF2-40B4-BE49-F238E27FC236}">
+                <a16:creationId xmlns:a16="http://schemas.microsoft.com/office/drawing/2014/main" id="{E574DA2E-544E-3881-2308-76B136C571EB}"/>
+              </a:ext>
+            </a:extLst>
+          </p:cNvPr>
+          <p:cNvPicPr>
+            <a:picLocks noChangeAspect="1"/>
+          </p:cNvPicPr>
+          <p:nvPr/>
+        </p:nvPicPr>
+        <p:blipFill>
+          <a:blip r:embed="rId3"/>
+          <a:stretch>
+            <a:fillRect/>
+          </a:stretch>
+        </p:blipFill>
+        <p:spPr>
+          <a:xfrm>
+            <a:off x="56628" y="1828361"/>
+            <a:ext cx="5373830" cy="3201278"/>
+          </a:xfrm>
+          <a:prstGeom prst="rect">
+            <a:avLst/>
+          </a:prstGeom>
+        </p:spPr>
+      </p:pic>
+      <p:sp>
+        <p:nvSpPr>
+          <p:cNvPr id="3" name="TextBox 2">
+            <a:extLst>
+              <a:ext uri="{FF2B5EF4-FFF2-40B4-BE49-F238E27FC236}">
+                <a16:creationId xmlns:a16="http://schemas.microsoft.com/office/drawing/2014/main" id="{F2BA8803-6BB4-2089-E029-6EE236A9F018}"/>
+              </a:ext>
+            </a:extLst>
+          </p:cNvPr>
+          <p:cNvSpPr txBox="1"/>
+          <p:nvPr/>
+        </p:nvSpPr>
+        <p:spPr>
+          <a:xfrm>
+            <a:off x="2743201" y="6096000"/>
+            <a:ext cx="4704522" cy="369332"/>
+          </a:xfrm>
+          <a:prstGeom prst="rect">
+            <a:avLst/>
+          </a:prstGeom>
+          <a:noFill/>
+        </p:spPr>
+        <p:txBody>
+          <a:bodyPr wrap="square" rtlCol="0">
+            <a:spAutoFit/>
+          </a:bodyPr>
+          <a:lstStyle/>
+          <a:p>
+            <a:r>
+              <a:rPr lang="en-US" dirty="0"/>
+              <a:t>We observed a negative correlation of 0.42</a:t>
+            </a:r>
+            <a:endParaRPr lang="hi-IN" dirty="0"/>
+          </a:p>
+        </p:txBody>
+      </p:sp>
+    </p:spTree>
+    <p:extLst>
+      <p:ext uri="{BB962C8B-B14F-4D97-AF65-F5344CB8AC3E}">
+        <p14:creationId xmlns:p14="http://schemas.microsoft.com/office/powerpoint/2010/main" val="1156956651"/>
+      </p:ext>
+    </p:extLst>
+  </p:cSld>
+  <p:clrMapOvr>
+    <a:masterClrMapping/>
+  </p:clrMapOvr>
+</p:sld>
+</file>
+
+<file path=ppt/slides/slide8.xml><?xml version="1.0" encoding="utf-8"?>
+<p:sld xmlns:a="http://schemas.openxmlformats.org/drawingml/2006/main" xmlns:r="http://schemas.openxmlformats.org/officeDocument/2006/relationships" xmlns:p="http://schemas.openxmlformats.org/presentationml/2006/main">
+  <p:cSld>
+    <p:spTree>
+      <p:nvGrpSpPr>
+        <p:cNvPr id="1" name=""/>
+        <p:cNvGrpSpPr/>
+        <p:nvPr/>
+      </p:nvGrpSpPr>
+      <p:grpSpPr>
+        <a:xfrm>
+          <a:off x="0" y="0"/>
+          <a:ext cx="0" cy="0"/>
+          <a:chOff x="0" y="0"/>
+          <a:chExt cx="0" cy="0"/>
+        </a:xfrm>
+      </p:grpSpPr>
+      <p:sp>
+        <p:nvSpPr>
+          <p:cNvPr id="2" name="Title 1">
+            <a:extLst>
+              <a:ext uri="{FF2B5EF4-FFF2-40B4-BE49-F238E27FC236}">
+                <a16:creationId xmlns:a16="http://schemas.microsoft.com/office/drawing/2014/main" id="{31A22B39-4765-A741-DD81-F6B7441CDA41}"/>
+              </a:ext>
+            </a:extLst>
+          </p:cNvPr>
+          <p:cNvSpPr txBox="1">
+            <a:spLocks/>
+          </p:cNvSpPr>
+          <p:nvPr/>
+        </p:nvSpPr>
+        <p:spPr>
+          <a:xfrm>
+            <a:off x="371061" y="365760"/>
+            <a:ext cx="10583451" cy="1325562"/>
+          </a:xfrm>
+          <a:prstGeom prst="rect">
+            <a:avLst/>
+          </a:prstGeom>
+        </p:spPr>
+        <p:txBody>
+          <a:bodyPr>
+            <a:normAutofit/>
+          </a:bodyPr>
+          <a:lstStyle>
+            <a:lvl1pPr algn="l" defTabSz="914400" rtl="0" eaLnBrk="1" latinLnBrk="0" hangingPunct="1">
+              <a:lnSpc>
+                <a:spcPct val="90000"/>
+              </a:lnSpc>
+              <a:spcBef>
+                <a:spcPct val="0"/>
+              </a:spcBef>
+              <a:buNone/>
+              <a:defRPr sz="4400" kern="1200" spc="-50" baseline="0">
+                <a:solidFill>
+                  <a:schemeClr val="tx1"/>
+                </a:solidFill>
+                <a:latin typeface="+mj-lt"/>
+                <a:ea typeface="+mj-ea"/>
+                <a:cs typeface="+mj-cs"/>
+              </a:defRPr>
+            </a:lvl1pPr>
+          </a:lstStyle>
+          <a:p>
+            <a:r>
+              <a:rPr lang="en-IN" sz="3000" b="1" dirty="0">
+                <a:solidFill>
+                  <a:schemeClr val="accent1"/>
+                </a:solidFill>
+                <a:latin typeface="Calibri" panose="020F0502020204030204" pitchFamily="34" charset="0"/>
+                <a:cs typeface="Calibri" panose="020F0502020204030204" pitchFamily="34" charset="0"/>
+              </a:rPr>
+              <a:t>Are the car prices dependent on the manufacturer or year of production?</a:t>
+            </a:r>
+            <a:endParaRPr lang="hi-IN" sz="3000" dirty="0">
+              <a:solidFill>
+                <a:schemeClr val="accent1"/>
+              </a:solidFill>
+            </a:endParaRPr>
+          </a:p>
+        </p:txBody>
+      </p:sp>
+      <p:pic>
+        <p:nvPicPr>
+          <p:cNvPr id="3" name="Content Placeholder 12" descr="Chart, box and whisker chart&#10;&#10;Description automatically generated">
+            <a:extLst>
+              <a:ext uri="{FF2B5EF4-FFF2-40B4-BE49-F238E27FC236}">
+                <a16:creationId xmlns:a16="http://schemas.microsoft.com/office/drawing/2014/main" id="{000E78D4-3CA4-E7D1-D5DF-6F1810439370}"/>
+              </a:ext>
+            </a:extLst>
+          </p:cNvPr>
+          <p:cNvPicPr>
+            <a:picLocks noGrp="1" noChangeAspect="1"/>
+          </p:cNvPicPr>
+          <p:nvPr/>
+        </p:nvPicPr>
+        <p:blipFill>
+          <a:blip r:embed="rId2">
+            <a:extLst>
+              <a:ext uri="{28A0092B-C50C-407E-A947-70E740481C1C}">
+                <a14:useLocalDpi xmlns:a14="http://schemas.microsoft.com/office/drawing/2010/main" val="0"/>
+              </a:ext>
+            </a:extLst>
+          </a:blip>
+          <a:stretch>
+            <a:fillRect/>
+          </a:stretch>
+        </p:blipFill>
+        <p:spPr>
+          <a:xfrm>
+            <a:off x="371061" y="2010994"/>
+            <a:ext cx="5313818" cy="3279385"/>
+          </a:xfrm>
+          <a:prstGeom prst="rect">
+            <a:avLst/>
+          </a:prstGeom>
+        </p:spPr>
+      </p:pic>
+      <p:pic>
+        <p:nvPicPr>
+          <p:cNvPr id="4" name="Picture 3">
+            <a:extLst>
+              <a:ext uri="{FF2B5EF4-FFF2-40B4-BE49-F238E27FC236}">
+                <a16:creationId xmlns:a16="http://schemas.microsoft.com/office/drawing/2014/main" id="{D3433343-0633-1D65-9BAD-41572565047C}"/>
+              </a:ext>
+            </a:extLst>
+          </p:cNvPr>
+          <p:cNvPicPr>
+            <a:picLocks noChangeAspect="1"/>
+          </p:cNvPicPr>
+          <p:nvPr/>
+        </p:nvPicPr>
+        <p:blipFill>
+          <a:blip r:embed="rId3"/>
+          <a:stretch>
+            <a:fillRect/>
+          </a:stretch>
+        </p:blipFill>
+        <p:spPr>
+          <a:xfrm>
+            <a:off x="5862118" y="2159787"/>
+            <a:ext cx="5313816" cy="3232192"/>
+          </a:xfrm>
+          <a:prstGeom prst="rect">
+            <a:avLst/>
+          </a:prstGeom>
+        </p:spPr>
+      </p:pic>
+    </p:spTree>
+    <p:extLst>
+      <p:ext uri="{BB962C8B-B14F-4D97-AF65-F5344CB8AC3E}">
+        <p14:creationId xmlns:p14="http://schemas.microsoft.com/office/powerpoint/2010/main" val="4240995465"/>
+      </p:ext>
+    </p:extLst>
+  </p:cSld>
+  <p:clrMapOvr>
+    <a:masterClrMapping/>
+  </p:clrMapOvr>
+</p:sld>
+</file>
+
+<file path=ppt/slides/slide9.xml><?xml version="1.0" encoding="utf-8"?>
+<p:sld xmlns:a="http://schemas.openxmlformats.org/drawingml/2006/main" xmlns:r="http://schemas.openxmlformats.org/officeDocument/2006/relationships" xmlns:p="http://schemas.openxmlformats.org/presentationml/2006/main">
+  <p:cSld>
+    <p:spTree>
+      <p:nvGrpSpPr>
+        <p:cNvPr id="1" name=""/>
+        <p:cNvGrpSpPr/>
+        <p:nvPr/>
+      </p:nvGrpSpPr>
+      <p:grpSpPr>
+        <a:xfrm>
+          <a:off x="0" y="0"/>
+          <a:ext cx="0" cy="0"/>
+          <a:chOff x="0" y="0"/>
+          <a:chExt cx="0" cy="0"/>
+        </a:xfrm>
+      </p:grpSpPr>
+      <p:pic>
+        <p:nvPicPr>
+          <p:cNvPr id="5" name="Content Placeholder 4">
+            <a:extLst>
+              <a:ext uri="{FF2B5EF4-FFF2-40B4-BE49-F238E27FC236}">
+                <a16:creationId xmlns:a16="http://schemas.microsoft.com/office/drawing/2014/main" id="{E7B0452D-D0A5-63AC-5B71-3752DDBD9D56}"/>
+              </a:ext>
+            </a:extLst>
+          </p:cNvPr>
+          <p:cNvPicPr>
+            <a:picLocks noGrp="1" noChangeAspect="1"/>
+          </p:cNvPicPr>
+          <p:nvPr/>
+        </p:nvPicPr>
+        <p:blipFill>
+          <a:blip r:embed="rId2"/>
+          <a:stretch>
+            <a:fillRect/>
+          </a:stretch>
+        </p:blipFill>
+        <p:spPr>
+          <a:xfrm>
+            <a:off x="598820" y="1680763"/>
+            <a:ext cx="4826215" cy="1903417"/>
+          </a:xfrm>
+          <a:prstGeom prst="rect">
+            <a:avLst/>
+          </a:prstGeom>
+        </p:spPr>
+      </p:pic>
+      <p:pic>
+        <p:nvPicPr>
+          <p:cNvPr id="6" name="Picture 5">
+            <a:extLst>
+              <a:ext uri="{FF2B5EF4-FFF2-40B4-BE49-F238E27FC236}">
+                <a16:creationId xmlns:a16="http://schemas.microsoft.com/office/drawing/2014/main" id="{A6AD6BF6-5D89-C190-E0E0-222E109B9F98}"/>
+              </a:ext>
+            </a:extLst>
+          </p:cNvPr>
+          <p:cNvPicPr>
+            <a:picLocks noChangeAspect="1"/>
+          </p:cNvPicPr>
+          <p:nvPr/>
+        </p:nvPicPr>
+        <p:blipFill>
+          <a:blip r:embed="rId3"/>
+          <a:stretch>
+            <a:fillRect/>
+          </a:stretch>
+        </p:blipFill>
+        <p:spPr>
+          <a:xfrm>
+            <a:off x="5425035" y="1675891"/>
+            <a:ext cx="4353965" cy="1710614"/>
+          </a:xfrm>
+          <a:prstGeom prst="rect">
+            <a:avLst/>
+          </a:prstGeom>
+        </p:spPr>
+      </p:pic>
+      <p:sp>
+        <p:nvSpPr>
+          <p:cNvPr id="3" name="TextBox 2">
+            <a:extLst>
+              <a:ext uri="{FF2B5EF4-FFF2-40B4-BE49-F238E27FC236}">
+                <a16:creationId xmlns:a16="http://schemas.microsoft.com/office/drawing/2014/main" id="{428B8407-B33A-E585-AA15-ECB6FCF54A0C}"/>
+              </a:ext>
+            </a:extLst>
+          </p:cNvPr>
+          <p:cNvSpPr txBox="1"/>
+          <p:nvPr/>
+        </p:nvSpPr>
+        <p:spPr>
+          <a:xfrm>
+            <a:off x="395048" y="3920633"/>
+            <a:ext cx="9913558" cy="553998"/>
+          </a:xfrm>
+          <a:prstGeom prst="rect">
+            <a:avLst/>
+          </a:prstGeom>
+          <a:noFill/>
+        </p:spPr>
+        <p:txBody>
+          <a:bodyPr wrap="square" rtlCol="0">
+            <a:spAutoFit/>
+          </a:bodyPr>
+          <a:lstStyle/>
+          <a:p>
+            <a:r>
+              <a:rPr lang="en-IN" sz="3000" b="1" dirty="0">
+                <a:solidFill>
+                  <a:schemeClr val="accent1"/>
+                </a:solidFill>
+                <a:latin typeface="Calibri" panose="020F0502020204030204" pitchFamily="34" charset="0"/>
+                <a:cs typeface="Calibri" panose="020F0502020204030204" pitchFamily="34" charset="0"/>
+              </a:rPr>
+              <a:t>Is the year of production independent of car prices?</a:t>
+            </a:r>
+          </a:p>
+        </p:txBody>
+      </p:sp>
+      <p:sp>
+        <p:nvSpPr>
+          <p:cNvPr id="4" name="TextBox 3">
+            <a:extLst>
+              <a:ext uri="{FF2B5EF4-FFF2-40B4-BE49-F238E27FC236}">
+                <a16:creationId xmlns:a16="http://schemas.microsoft.com/office/drawing/2014/main" id="{9B0FB4EB-2E46-D3E4-52B0-6DF8BA63E7DE}"/>
+              </a:ext>
+            </a:extLst>
+          </p:cNvPr>
+          <p:cNvSpPr txBox="1"/>
+          <p:nvPr/>
+        </p:nvSpPr>
+        <p:spPr>
+          <a:xfrm>
+            <a:off x="598820" y="676668"/>
+            <a:ext cx="8005333" cy="553998"/>
+          </a:xfrm>
+          <a:prstGeom prst="rect">
+            <a:avLst/>
+          </a:prstGeom>
+          <a:noFill/>
+        </p:spPr>
+        <p:txBody>
+          <a:bodyPr wrap="none" rtlCol="0">
+            <a:spAutoFit/>
+          </a:bodyPr>
+          <a:lstStyle/>
+          <a:p>
+            <a:r>
+              <a:rPr lang="en-IN" sz="3000" b="1" dirty="0">
+                <a:solidFill>
+                  <a:schemeClr val="accent2">
+                    <a:lumMod val="50000"/>
+                  </a:schemeClr>
+                </a:solidFill>
+                <a:latin typeface="Calibri" panose="020F0502020204030204" pitchFamily="34" charset="0"/>
+                <a:cs typeface="Calibri" panose="020F0502020204030204" pitchFamily="34" charset="0"/>
+              </a:rPr>
+              <a:t>ANOVA test result on the manufacturer variable: </a:t>
+            </a:r>
+          </a:p>
+        </p:txBody>
+      </p:sp>
+      <p:pic>
+        <p:nvPicPr>
+          <p:cNvPr id="7" name="Picture 6">
+            <a:extLst>
+              <a:ext uri="{FF2B5EF4-FFF2-40B4-BE49-F238E27FC236}">
+                <a16:creationId xmlns:a16="http://schemas.microsoft.com/office/drawing/2014/main" id="{2B129EBE-0728-E009-52BB-AE5D7C059999}"/>
+              </a:ext>
+            </a:extLst>
+          </p:cNvPr>
+          <p:cNvPicPr>
+            <a:picLocks noChangeAspect="1"/>
+          </p:cNvPicPr>
+          <p:nvPr/>
+        </p:nvPicPr>
+        <p:blipFill>
+          <a:blip r:embed="rId4"/>
+          <a:stretch>
+            <a:fillRect/>
+          </a:stretch>
+        </p:blipFill>
+        <p:spPr>
+          <a:xfrm>
+            <a:off x="429473" y="5177237"/>
+            <a:ext cx="5409629" cy="485288"/>
+          </a:xfrm>
+          <a:prstGeom prst="rect">
+            <a:avLst/>
+          </a:prstGeom>
+        </p:spPr>
+      </p:pic>
+      <p:pic>
+        <p:nvPicPr>
+          <p:cNvPr id="8" name="Picture 7">
+            <a:extLst>
+              <a:ext uri="{FF2B5EF4-FFF2-40B4-BE49-F238E27FC236}">
+                <a16:creationId xmlns:a16="http://schemas.microsoft.com/office/drawing/2014/main" id="{E198E8E8-94DB-A554-0F98-3E3898E184B4}"/>
+              </a:ext>
+            </a:extLst>
+          </p:cNvPr>
+          <p:cNvPicPr>
+            <a:picLocks noChangeAspect="1"/>
+          </p:cNvPicPr>
+          <p:nvPr/>
+        </p:nvPicPr>
+        <p:blipFill>
+          <a:blip r:embed="rId5"/>
+          <a:stretch>
+            <a:fillRect/>
+          </a:stretch>
+        </p:blipFill>
+        <p:spPr>
+          <a:xfrm>
+            <a:off x="6096000" y="5008759"/>
+            <a:ext cx="5002755" cy="847461"/>
+          </a:xfrm>
+          <a:prstGeom prst="rect">
+            <a:avLst/>
+          </a:prstGeom>
+        </p:spPr>
+      </p:pic>
+    </p:spTree>
+    <p:extLst>
+      <p:ext uri="{BB962C8B-B14F-4D97-AF65-F5344CB8AC3E}">
+        <p14:creationId xmlns:p14="http://schemas.microsoft.com/office/powerpoint/2010/main" val="2365573565"/>
       </p:ext>
     </p:extLst>
   </p:cSld>

--- a/Team 8_UsedCarsPricePrediction.pptx
+++ b/Team 8_UsedCarsPricePrediction.pptx
@@ -14,9 +14,10 @@
     <p:sldId id="280" r:id="rId8"/>
     <p:sldId id="281" r:id="rId9"/>
     <p:sldId id="284" r:id="rId10"/>
-    <p:sldId id="291" r:id="rId11"/>
-    <p:sldId id="294" r:id="rId12"/>
-    <p:sldId id="292" r:id="rId13"/>
+    <p:sldId id="279" r:id="rId11"/>
+    <p:sldId id="291" r:id="rId12"/>
+    <p:sldId id="294" r:id="rId13"/>
+    <p:sldId id="292" r:id="rId14"/>
   </p:sldIdLst>
   <p:sldSz cx="12192000" cy="6858000"/>
   <p:notesSz cx="6858000" cy="9144000"/>
@@ -127,6 +128,7 @@
 <p1510:revInfo xmlns:a="http://schemas.openxmlformats.org/drawingml/2006/main" xmlns:r="http://schemas.openxmlformats.org/officeDocument/2006/relationships" xmlns:p1510="http://schemas.microsoft.com/office/powerpoint/2015/10/main">
   <p1510:revLst>
     <p1510:client id="{73DD499E-E36D-441F-9DD7-CB1A260157A9}" v="2" dt="2022-10-27T03:52:46.502"/>
+    <p1510:client id="{9807B0F9-CC55-4324-A22A-3F3F4AFA0AF8}" v="1" dt="2022-10-27T04:03:07.083"/>
   </p1510:revLst>
 </p1510:revInfo>
 </file>
@@ -221,6 +223,22 @@
       </pc:sldChg>
     </pc:docChg>
   </pc:docChgLst>
+  <pc:docChgLst>
+    <pc:chgData name="Yashwant Bhaidkar" userId="43c987480cbf8a3d" providerId="LiveId" clId="{9807B0F9-CC55-4324-A22A-3F3F4AFA0AF8}"/>
+    <pc:docChg chg="addSld modSld">
+      <pc:chgData name="Yashwant Bhaidkar" userId="43c987480cbf8a3d" providerId="LiveId" clId="{9807B0F9-CC55-4324-A22A-3F3F4AFA0AF8}" dt="2022-10-27T04:03:07.079" v="0"/>
+      <pc:docMkLst>
+        <pc:docMk/>
+      </pc:docMkLst>
+      <pc:sldChg chg="add">
+        <pc:chgData name="Yashwant Bhaidkar" userId="43c987480cbf8a3d" providerId="LiveId" clId="{9807B0F9-CC55-4324-A22A-3F3F4AFA0AF8}" dt="2022-10-27T04:03:07.079" v="0"/>
+        <pc:sldMkLst>
+          <pc:docMk/>
+          <pc:sldMk cId="3860445074" sldId="279"/>
+        </pc:sldMkLst>
+      </pc:sldChg>
+    </pc:docChg>
+  </pc:docChgLst>
 </pc:chgInfo>
 </file>
 
@@ -392,7 +410,7 @@
           <a:p>
             <a:fld id="{BE393F72-8C5B-40D4-BCB1-7EEE547C6601}" type="datetimeFigureOut">
               <a:rPr lang="en-US" smtClean="0"/>
-              <a:t>10/26/2022</a:t>
+              <a:t>10/27/2022</a:t>
             </a:fld>
             <a:endParaRPr lang="en-US"/>
           </a:p>
@@ -620,7 +638,7 @@
           <a:p>
             <a:fld id="{BE393F72-8C5B-40D4-BCB1-7EEE547C6601}" type="datetimeFigureOut">
               <a:rPr lang="en-US" smtClean="0"/>
-              <a:t>10/26/2022</a:t>
+              <a:t>10/27/2022</a:t>
             </a:fld>
             <a:endParaRPr lang="en-US"/>
           </a:p>
@@ -800,7 +818,7 @@
           <a:p>
             <a:fld id="{BE393F72-8C5B-40D4-BCB1-7EEE547C6601}" type="datetimeFigureOut">
               <a:rPr lang="en-US" smtClean="0"/>
-              <a:t>10/26/2022</a:t>
+              <a:t>10/27/2022</a:t>
             </a:fld>
             <a:endParaRPr lang="en-US"/>
           </a:p>
@@ -970,7 +988,7 @@
           <a:p>
             <a:fld id="{BE393F72-8C5B-40D4-BCB1-7EEE547C6601}" type="datetimeFigureOut">
               <a:rPr lang="en-US" smtClean="0"/>
-              <a:t>10/26/2022</a:t>
+              <a:t>10/27/2022</a:t>
             </a:fld>
             <a:endParaRPr lang="en-US"/>
           </a:p>
@@ -1224,7 +1242,7 @@
           <a:p>
             <a:fld id="{BE393F72-8C5B-40D4-BCB1-7EEE547C6601}" type="datetimeFigureOut">
               <a:rPr lang="en-US" smtClean="0"/>
-              <a:t>10/26/2022</a:t>
+              <a:t>10/27/2022</a:t>
             </a:fld>
             <a:endParaRPr lang="en-US"/>
           </a:p>
@@ -1550,7 +1568,7 @@
           <a:p>
             <a:fld id="{BE393F72-8C5B-40D4-BCB1-7EEE547C6601}" type="datetimeFigureOut">
               <a:rPr lang="en-US" smtClean="0"/>
-              <a:t>10/26/2022</a:t>
+              <a:t>10/27/2022</a:t>
             </a:fld>
             <a:endParaRPr lang="en-US"/>
           </a:p>
@@ -2001,7 +2019,7 @@
           <a:p>
             <a:fld id="{BE393F72-8C5B-40D4-BCB1-7EEE547C6601}" type="datetimeFigureOut">
               <a:rPr lang="en-US" smtClean="0"/>
-              <a:t>10/26/2022</a:t>
+              <a:t>10/27/2022</a:t>
             </a:fld>
             <a:endParaRPr lang="en-US"/>
           </a:p>
@@ -2119,7 +2137,7 @@
           <a:p>
             <a:fld id="{BE393F72-8C5B-40D4-BCB1-7EEE547C6601}" type="datetimeFigureOut">
               <a:rPr lang="en-US" smtClean="0"/>
-              <a:t>10/26/2022</a:t>
+              <a:t>10/27/2022</a:t>
             </a:fld>
             <a:endParaRPr lang="en-US"/>
           </a:p>
@@ -2214,7 +2232,7 @@
           <a:p>
             <a:fld id="{BE393F72-8C5B-40D4-BCB1-7EEE547C6601}" type="datetimeFigureOut">
               <a:rPr lang="en-US" smtClean="0"/>
-              <a:t>10/26/2022</a:t>
+              <a:t>10/27/2022</a:t>
             </a:fld>
             <a:endParaRPr lang="en-US"/>
           </a:p>
@@ -2501,7 +2519,7 @@
           <a:p>
             <a:fld id="{BE393F72-8C5B-40D4-BCB1-7EEE547C6601}" type="datetimeFigureOut">
               <a:rPr lang="en-US" smtClean="0"/>
-              <a:t>10/26/2022</a:t>
+              <a:t>10/27/2022</a:t>
             </a:fld>
             <a:endParaRPr lang="en-US"/>
           </a:p>
@@ -2823,7 +2841,7 @@
           <a:p>
             <a:fld id="{BE393F72-8C5B-40D4-BCB1-7EEE547C6601}" type="datetimeFigureOut">
               <a:rPr lang="en-US" smtClean="0"/>
-              <a:t>10/26/2022</a:t>
+              <a:t>10/27/2022</a:t>
             </a:fld>
             <a:endParaRPr lang="en-US"/>
           </a:p>
@@ -3077,7 +3095,7 @@
           <a:p>
             <a:fld id="{BE393F72-8C5B-40D4-BCB1-7EEE547C6601}" type="datetimeFigureOut">
               <a:rPr lang="en-US" smtClean="0"/>
-              <a:t>10/26/2022</a:t>
+              <a:t>10/27/2022</a:t>
             </a:fld>
             <a:endParaRPr lang="en-US"/>
           </a:p>
@@ -4230,6 +4248,185 @@
           <p:cNvPr id="2" name="Title 1">
             <a:extLst>
               <a:ext uri="{FF2B5EF4-FFF2-40B4-BE49-F238E27FC236}">
+                <a16:creationId xmlns:a16="http://schemas.microsoft.com/office/drawing/2014/main" id="{D66CC6B5-A4CA-4603-4E14-EDD54E0AEE87}"/>
+              </a:ext>
+            </a:extLst>
+          </p:cNvPr>
+          <p:cNvSpPr>
+            <a:spLocks noGrp="1"/>
+          </p:cNvSpPr>
+          <p:nvPr>
+            <p:ph type="title"/>
+          </p:nvPr>
+        </p:nvSpPr>
+        <p:spPr>
+          <a:xfrm>
+            <a:off x="428351" y="465263"/>
+            <a:ext cx="10464182" cy="1005522"/>
+          </a:xfrm>
+        </p:spPr>
+        <p:txBody>
+          <a:bodyPr>
+            <a:normAutofit/>
+          </a:bodyPr>
+          <a:lstStyle/>
+          <a:p>
+            <a:r>
+              <a:rPr lang="en-US" sz="3000" b="1" i="0" dirty="0">
+                <a:solidFill>
+                  <a:schemeClr val="accent1"/>
+                </a:solidFill>
+                <a:effectLst/>
+                <a:latin typeface="Calibri" panose="020F0502020204030204" pitchFamily="34" charset="0"/>
+                <a:cs typeface="Calibri" panose="020F0502020204030204" pitchFamily="34" charset="0"/>
+              </a:rPr>
+              <a:t>Are the prices of the cars different based on the transmission type </a:t>
+            </a:r>
+            <a:r>
+              <a:rPr lang="en-US" sz="3000" b="1" dirty="0">
+                <a:solidFill>
+                  <a:schemeClr val="accent1"/>
+                </a:solidFill>
+                <a:latin typeface="Calibri" panose="020F0502020204030204" pitchFamily="34" charset="0"/>
+                <a:cs typeface="Calibri" panose="020F0502020204030204" pitchFamily="34" charset="0"/>
+              </a:rPr>
+              <a:t>and</a:t>
+            </a:r>
+            <a:r>
+              <a:rPr lang="en-US" sz="3000" b="1" i="0" dirty="0">
+                <a:solidFill>
+                  <a:schemeClr val="accent1"/>
+                </a:solidFill>
+                <a:effectLst/>
+                <a:latin typeface="Calibri" panose="020F0502020204030204" pitchFamily="34" charset="0"/>
+                <a:cs typeface="Calibri" panose="020F0502020204030204" pitchFamily="34" charset="0"/>
+              </a:rPr>
+              <a:t> </a:t>
+            </a:r>
+            <a:r>
+              <a:rPr lang="en-IN" sz="3000" b="1" i="0" dirty="0">
+                <a:solidFill>
+                  <a:schemeClr val="accent1"/>
+                </a:solidFill>
+                <a:effectLst/>
+                <a:latin typeface="Calibri" panose="020F0502020204030204" pitchFamily="34" charset="0"/>
+                <a:cs typeface="Calibri" panose="020F0502020204030204" pitchFamily="34" charset="0"/>
+              </a:rPr>
+              <a:t>e</a:t>
+            </a:r>
+            <a:r>
+              <a:rPr lang="en-IN" sz="3000" b="1" dirty="0">
+                <a:solidFill>
+                  <a:schemeClr val="accent1"/>
+                </a:solidFill>
+                <a:latin typeface="Calibri" panose="020F0502020204030204" pitchFamily="34" charset="0"/>
+                <a:cs typeface="Calibri" panose="020F0502020204030204" pitchFamily="34" charset="0"/>
+              </a:rPr>
+              <a:t>ngine capacity?</a:t>
+            </a:r>
+            <a:endParaRPr lang="hi-IN" sz="3000" dirty="0">
+              <a:solidFill>
+                <a:schemeClr val="accent1"/>
+              </a:solidFill>
+            </a:endParaRPr>
+          </a:p>
+        </p:txBody>
+      </p:sp>
+      <p:pic>
+        <p:nvPicPr>
+          <p:cNvPr id="5" name="Picture 4">
+            <a:extLst>
+              <a:ext uri="{FF2B5EF4-FFF2-40B4-BE49-F238E27FC236}">
+                <a16:creationId xmlns:a16="http://schemas.microsoft.com/office/drawing/2014/main" id="{F25C41AD-4210-7144-BF86-BF415826C1CA}"/>
+              </a:ext>
+            </a:extLst>
+          </p:cNvPr>
+          <p:cNvPicPr>
+            <a:picLocks noChangeAspect="1"/>
+          </p:cNvPicPr>
+          <p:nvPr/>
+        </p:nvPicPr>
+        <p:blipFill>
+          <a:blip r:embed="rId2"/>
+          <a:stretch>
+            <a:fillRect/>
+          </a:stretch>
+        </p:blipFill>
+        <p:spPr>
+          <a:xfrm>
+            <a:off x="780420" y="2324859"/>
+            <a:ext cx="4754644" cy="3327400"/>
+          </a:xfrm>
+          <a:prstGeom prst="rect">
+            <a:avLst/>
+          </a:prstGeom>
+        </p:spPr>
+      </p:pic>
+      <p:pic>
+        <p:nvPicPr>
+          <p:cNvPr id="6" name="Picture 5">
+            <a:extLst>
+              <a:ext uri="{FF2B5EF4-FFF2-40B4-BE49-F238E27FC236}">
+                <a16:creationId xmlns:a16="http://schemas.microsoft.com/office/drawing/2014/main" id="{91E0F5E5-F8EF-0B87-7CD3-B5C5207C09EC}"/>
+              </a:ext>
+            </a:extLst>
+          </p:cNvPr>
+          <p:cNvPicPr>
+            <a:picLocks noChangeAspect="1"/>
+          </p:cNvPicPr>
+          <p:nvPr/>
+        </p:nvPicPr>
+        <p:blipFill>
+          <a:blip r:embed="rId3"/>
+          <a:stretch>
+            <a:fillRect/>
+          </a:stretch>
+        </p:blipFill>
+        <p:spPr>
+          <a:xfrm>
+            <a:off x="5535064" y="2059815"/>
+            <a:ext cx="5294070" cy="3327400"/>
+          </a:xfrm>
+          <a:prstGeom prst="rect">
+            <a:avLst/>
+          </a:prstGeom>
+        </p:spPr>
+      </p:pic>
+    </p:spTree>
+    <p:extLst>
+      <p:ext uri="{BB962C8B-B14F-4D97-AF65-F5344CB8AC3E}">
+        <p14:creationId xmlns:p14="http://schemas.microsoft.com/office/powerpoint/2010/main" val="3860445074"/>
+      </p:ext>
+    </p:extLst>
+  </p:cSld>
+  <p:clrMapOvr>
+    <a:masterClrMapping/>
+  </p:clrMapOvr>
+</p:sld>
+</file>
+
+<file path=ppt/slides/slide11.xml><?xml version="1.0" encoding="utf-8"?>
+<p:sld xmlns:a="http://schemas.openxmlformats.org/drawingml/2006/main" xmlns:r="http://schemas.openxmlformats.org/officeDocument/2006/relationships" xmlns:p="http://schemas.openxmlformats.org/presentationml/2006/main">
+  <p:cSld>
+    <p:spTree>
+      <p:nvGrpSpPr>
+        <p:cNvPr id="1" name=""/>
+        <p:cNvGrpSpPr/>
+        <p:nvPr/>
+      </p:nvGrpSpPr>
+      <p:grpSpPr>
+        <a:xfrm>
+          <a:off x="0" y="0"/>
+          <a:ext cx="0" cy="0"/>
+          <a:chOff x="0" y="0"/>
+          <a:chExt cx="0" cy="0"/>
+        </a:xfrm>
+      </p:grpSpPr>
+      <p:sp>
+        <p:nvSpPr>
+          <p:cNvPr id="2" name="Title 1">
+            <a:extLst>
+              <a:ext uri="{FF2B5EF4-FFF2-40B4-BE49-F238E27FC236}">
                 <a16:creationId xmlns:a16="http://schemas.microsoft.com/office/drawing/2014/main" id="{BAA21571-DC98-035D-5F3F-3790BBE1CB08}"/>
               </a:ext>
             </a:extLst>
@@ -4363,7 +4560,7 @@
 </p:sld>
 </file>
 
-<file path=ppt/slides/slide11.xml><?xml version="1.0" encoding="utf-8"?>
+<file path=ppt/slides/slide12.xml><?xml version="1.0" encoding="utf-8"?>
 <p:sld xmlns:a="http://schemas.openxmlformats.org/drawingml/2006/main" xmlns:r="http://schemas.openxmlformats.org/officeDocument/2006/relationships" xmlns:p="http://schemas.openxmlformats.org/presentationml/2006/main">
   <p:cSld>
     <p:spTree>
@@ -4493,7 +4690,7 @@
 </p:sld>
 </file>
 
-<file path=ppt/slides/slide12.xml><?xml version="1.0" encoding="utf-8"?>
+<file path=ppt/slides/slide13.xml><?xml version="1.0" encoding="utf-8"?>
 <p:sld xmlns:a="http://schemas.openxmlformats.org/drawingml/2006/main" xmlns:r="http://schemas.openxmlformats.org/officeDocument/2006/relationships" xmlns:p="http://schemas.openxmlformats.org/presentationml/2006/main">
   <p:cSld>
     <p:spTree>

--- a/Team 8_UsedCarsPricePrediction.pptx
+++ b/Team 8_UsedCarsPricePrediction.pptx
@@ -122,15 +122,6 @@
     </p:ext>
   </p:extLst>
 </p:presentation>
-</file>
-
-<file path=ppt/revisionInfo.xml><?xml version="1.0" encoding="utf-8"?>
-<p1510:revInfo xmlns:a="http://schemas.openxmlformats.org/drawingml/2006/main" xmlns:r="http://schemas.openxmlformats.org/officeDocument/2006/relationships" xmlns:p1510="http://schemas.microsoft.com/office/powerpoint/2015/10/main">
-  <p1510:revLst>
-    <p1510:client id="{73DD499E-E36D-441F-9DD7-CB1A260157A9}" v="2" dt="2022-10-27T03:52:46.502"/>
-    <p1510:client id="{9807B0F9-CC55-4324-A22A-3F3F4AFA0AF8}" v="1" dt="2022-10-27T04:03:07.083"/>
-  </p1510:revLst>
-</p1510:revInfo>
 </file>
 
 <file path=ppt/changesInfos/changesInfo1.xml><?xml version="1.0" encoding="utf-8"?>
@@ -410,7 +401,7 @@
           <a:p>
             <a:fld id="{BE393F72-8C5B-40D4-BCB1-7EEE547C6601}" type="datetimeFigureOut">
               <a:rPr lang="en-US" smtClean="0"/>
-              <a:t>10/27/2022</a:t>
+              <a:t>10/29/2022</a:t>
             </a:fld>
             <a:endParaRPr lang="en-US"/>
           </a:p>
@@ -638,7 +629,7 @@
           <a:p>
             <a:fld id="{BE393F72-8C5B-40D4-BCB1-7EEE547C6601}" type="datetimeFigureOut">
               <a:rPr lang="en-US" smtClean="0"/>
-              <a:t>10/27/2022</a:t>
+              <a:t>10/29/2022</a:t>
             </a:fld>
             <a:endParaRPr lang="en-US"/>
           </a:p>
@@ -818,7 +809,7 @@
           <a:p>
             <a:fld id="{BE393F72-8C5B-40D4-BCB1-7EEE547C6601}" type="datetimeFigureOut">
               <a:rPr lang="en-US" smtClean="0"/>
-              <a:t>10/27/2022</a:t>
+              <a:t>10/29/2022</a:t>
             </a:fld>
             <a:endParaRPr lang="en-US"/>
           </a:p>
@@ -988,7 +979,7 @@
           <a:p>
             <a:fld id="{BE393F72-8C5B-40D4-BCB1-7EEE547C6601}" type="datetimeFigureOut">
               <a:rPr lang="en-US" smtClean="0"/>
-              <a:t>10/27/2022</a:t>
+              <a:t>10/29/2022</a:t>
             </a:fld>
             <a:endParaRPr lang="en-US"/>
           </a:p>
@@ -1242,7 +1233,7 @@
           <a:p>
             <a:fld id="{BE393F72-8C5B-40D4-BCB1-7EEE547C6601}" type="datetimeFigureOut">
               <a:rPr lang="en-US" smtClean="0"/>
-              <a:t>10/27/2022</a:t>
+              <a:t>10/29/2022</a:t>
             </a:fld>
             <a:endParaRPr lang="en-US"/>
           </a:p>
@@ -1568,7 +1559,7 @@
           <a:p>
             <a:fld id="{BE393F72-8C5B-40D4-BCB1-7EEE547C6601}" type="datetimeFigureOut">
               <a:rPr lang="en-US" smtClean="0"/>
-              <a:t>10/27/2022</a:t>
+              <a:t>10/29/2022</a:t>
             </a:fld>
             <a:endParaRPr lang="en-US"/>
           </a:p>
@@ -2019,7 +2010,7 @@
           <a:p>
             <a:fld id="{BE393F72-8C5B-40D4-BCB1-7EEE547C6601}" type="datetimeFigureOut">
               <a:rPr lang="en-US" smtClean="0"/>
-              <a:t>10/27/2022</a:t>
+              <a:t>10/29/2022</a:t>
             </a:fld>
             <a:endParaRPr lang="en-US"/>
           </a:p>
@@ -2137,7 +2128,7 @@
           <a:p>
             <a:fld id="{BE393F72-8C5B-40D4-BCB1-7EEE547C6601}" type="datetimeFigureOut">
               <a:rPr lang="en-US" smtClean="0"/>
-              <a:t>10/27/2022</a:t>
+              <a:t>10/29/2022</a:t>
             </a:fld>
             <a:endParaRPr lang="en-US"/>
           </a:p>
@@ -2232,7 +2223,7 @@
           <a:p>
             <a:fld id="{BE393F72-8C5B-40D4-BCB1-7EEE547C6601}" type="datetimeFigureOut">
               <a:rPr lang="en-US" smtClean="0"/>
-              <a:t>10/27/2022</a:t>
+              <a:t>10/29/2022</a:t>
             </a:fld>
             <a:endParaRPr lang="en-US"/>
           </a:p>
@@ -2519,7 +2510,7 @@
           <a:p>
             <a:fld id="{BE393F72-8C5B-40D4-BCB1-7EEE547C6601}" type="datetimeFigureOut">
               <a:rPr lang="en-US" smtClean="0"/>
-              <a:t>10/27/2022</a:t>
+              <a:t>10/29/2022</a:t>
             </a:fld>
             <a:endParaRPr lang="en-US"/>
           </a:p>
@@ -2841,7 +2832,7 @@
           <a:p>
             <a:fld id="{BE393F72-8C5B-40D4-BCB1-7EEE547C6601}" type="datetimeFigureOut">
               <a:rPr lang="en-US" smtClean="0"/>
-              <a:t>10/27/2022</a:t>
+              <a:t>10/29/2022</a:t>
             </a:fld>
             <a:endParaRPr lang="en-US"/>
           </a:p>
@@ -3095,7 +3086,7 @@
           <a:p>
             <a:fld id="{BE393F72-8C5B-40D4-BCB1-7EEE547C6601}" type="datetimeFigureOut">
               <a:rPr lang="en-US" smtClean="0"/>
-              <a:t>10/27/2022</a:t>
+              <a:t>10/29/2022</a:t>
             </a:fld>
             <a:endParaRPr lang="en-US"/>
           </a:p>
@@ -4477,7 +4468,17 @@
                 <a:latin typeface="Calibri" panose="020F0502020204030204" pitchFamily="34" charset="0"/>
                 <a:cs typeface="Calibri" panose="020F0502020204030204" pitchFamily="34" charset="0"/>
               </a:rPr>
-              <a:t>Does unknown features have any impact on car prices?</a:t>
+              <a:t>Does unknown features have any impact on car </a:t>
+            </a:r>
+            <a:r>
+              <a:rPr lang="en-IN" sz="3000" b="1">
+                <a:solidFill>
+                  <a:schemeClr val="accent1"/>
+                </a:solidFill>
+                <a:latin typeface="Calibri" panose="020F0502020204030204" pitchFamily="34" charset="0"/>
+                <a:cs typeface="Calibri" panose="020F0502020204030204" pitchFamily="34" charset="0"/>
+              </a:rPr>
+              <a:t>prices?</a:t>
             </a:r>
             <a:endParaRPr lang="hi-IN" sz="3000" dirty="0">
               <a:solidFill>

--- a/Team 8_UsedCarsPricePrediction.pptx
+++ b/Team 8_UsedCarsPricePrediction.pptx
@@ -14,10 +14,17 @@
     <p:sldId id="280" r:id="rId8"/>
     <p:sldId id="281" r:id="rId9"/>
     <p:sldId id="284" r:id="rId10"/>
-    <p:sldId id="279" r:id="rId11"/>
-    <p:sldId id="291" r:id="rId12"/>
-    <p:sldId id="294" r:id="rId13"/>
-    <p:sldId id="292" r:id="rId14"/>
+    <p:sldId id="288" r:id="rId11"/>
+    <p:sldId id="289" r:id="rId12"/>
+    <p:sldId id="283" r:id="rId13"/>
+    <p:sldId id="293" r:id="rId14"/>
+    <p:sldId id="282" r:id="rId15"/>
+    <p:sldId id="285" r:id="rId16"/>
+    <p:sldId id="278" r:id="rId17"/>
+    <p:sldId id="279" r:id="rId18"/>
+    <p:sldId id="291" r:id="rId19"/>
+    <p:sldId id="294" r:id="rId20"/>
+    <p:sldId id="292" r:id="rId21"/>
   </p:sldIdLst>
   <p:sldSz cx="12192000" cy="6858000"/>
   <p:notesSz cx="6858000" cy="9144000"/>
@@ -127,14 +134,71 @@
 <file path=ppt/revisionInfo.xml><?xml version="1.0" encoding="utf-8"?>
 <p1510:revInfo xmlns:a="http://schemas.openxmlformats.org/drawingml/2006/main" xmlns:r="http://schemas.openxmlformats.org/officeDocument/2006/relationships" xmlns:p1510="http://schemas.microsoft.com/office/powerpoint/2015/10/main">
   <p1510:revLst>
-    <p1510:client id="{73DD499E-E36D-441F-9DD7-CB1A260157A9}" v="2" dt="2022-10-27T03:52:46.502"/>
-    <p1510:client id="{9807B0F9-CC55-4324-A22A-3F3F4AFA0AF8}" v="1" dt="2022-10-27T04:03:07.083"/>
+    <p1510:client id="{0D9F0071-2684-45B2-80B5-A15081922803}" v="1" dt="2022-10-31T00:08:54.576"/>
   </p1510:revLst>
 </p1510:revInfo>
 </file>
 
 <file path=ppt/changesInfos/changesInfo1.xml><?xml version="1.0" encoding="utf-8"?>
 <pc:chgInfo xmlns:a="http://schemas.openxmlformats.org/drawingml/2006/main" xmlns:r="http://schemas.openxmlformats.org/officeDocument/2006/relationships" xmlns:ac="http://schemas.microsoft.com/office/drawing/2013/main/command" xmlns:pc="http://schemas.microsoft.com/office/powerpoint/2013/main/command">
+  <pc:docChgLst>
+    <pc:chgData name="Yashwant Bhaidkar" userId="43c987480cbf8a3d" providerId="LiveId" clId="{0D9F0071-2684-45B2-80B5-A15081922803}"/>
+    <pc:docChg chg="addSld modSld">
+      <pc:chgData name="Yashwant Bhaidkar" userId="43c987480cbf8a3d" providerId="LiveId" clId="{0D9F0071-2684-45B2-80B5-A15081922803}" dt="2022-10-31T00:08:54.557" v="0"/>
+      <pc:docMkLst>
+        <pc:docMk/>
+      </pc:docMkLst>
+      <pc:sldChg chg="add">
+        <pc:chgData name="Yashwant Bhaidkar" userId="43c987480cbf8a3d" providerId="LiveId" clId="{0D9F0071-2684-45B2-80B5-A15081922803}" dt="2022-10-31T00:08:54.557" v="0"/>
+        <pc:sldMkLst>
+          <pc:docMk/>
+          <pc:sldMk cId="2836972273" sldId="278"/>
+        </pc:sldMkLst>
+      </pc:sldChg>
+      <pc:sldChg chg="add">
+        <pc:chgData name="Yashwant Bhaidkar" userId="43c987480cbf8a3d" providerId="LiveId" clId="{0D9F0071-2684-45B2-80B5-A15081922803}" dt="2022-10-31T00:08:54.557" v="0"/>
+        <pc:sldMkLst>
+          <pc:docMk/>
+          <pc:sldMk cId="1557124779" sldId="282"/>
+        </pc:sldMkLst>
+      </pc:sldChg>
+      <pc:sldChg chg="add">
+        <pc:chgData name="Yashwant Bhaidkar" userId="43c987480cbf8a3d" providerId="LiveId" clId="{0D9F0071-2684-45B2-80B5-A15081922803}" dt="2022-10-31T00:08:54.557" v="0"/>
+        <pc:sldMkLst>
+          <pc:docMk/>
+          <pc:sldMk cId="1551266477" sldId="283"/>
+        </pc:sldMkLst>
+      </pc:sldChg>
+      <pc:sldChg chg="add">
+        <pc:chgData name="Yashwant Bhaidkar" userId="43c987480cbf8a3d" providerId="LiveId" clId="{0D9F0071-2684-45B2-80B5-A15081922803}" dt="2022-10-31T00:08:54.557" v="0"/>
+        <pc:sldMkLst>
+          <pc:docMk/>
+          <pc:sldMk cId="3511091616" sldId="285"/>
+        </pc:sldMkLst>
+      </pc:sldChg>
+      <pc:sldChg chg="add">
+        <pc:chgData name="Yashwant Bhaidkar" userId="43c987480cbf8a3d" providerId="LiveId" clId="{0D9F0071-2684-45B2-80B5-A15081922803}" dt="2022-10-31T00:08:54.557" v="0"/>
+        <pc:sldMkLst>
+          <pc:docMk/>
+          <pc:sldMk cId="1196958084" sldId="288"/>
+        </pc:sldMkLst>
+      </pc:sldChg>
+      <pc:sldChg chg="add">
+        <pc:chgData name="Yashwant Bhaidkar" userId="43c987480cbf8a3d" providerId="LiveId" clId="{0D9F0071-2684-45B2-80B5-A15081922803}" dt="2022-10-31T00:08:54.557" v="0"/>
+        <pc:sldMkLst>
+          <pc:docMk/>
+          <pc:sldMk cId="4245471114" sldId="289"/>
+        </pc:sldMkLst>
+      </pc:sldChg>
+      <pc:sldChg chg="add">
+        <pc:chgData name="Yashwant Bhaidkar" userId="43c987480cbf8a3d" providerId="LiveId" clId="{0D9F0071-2684-45B2-80B5-A15081922803}" dt="2022-10-31T00:08:54.557" v="0"/>
+        <pc:sldMkLst>
+          <pc:docMk/>
+          <pc:sldMk cId="923640482" sldId="293"/>
+        </pc:sldMkLst>
+      </pc:sldChg>
+    </pc:docChg>
+  </pc:docChgLst>
   <pc:docChgLst>
     <pc:chgData name="Yashwant Bhaidkar" userId="43c987480cbf8a3d" providerId="LiveId" clId="{73DD499E-E36D-441F-9DD7-CB1A260157A9}"/>
     <pc:docChg chg="addSld delSld modSld">
@@ -410,7 +474,7 @@
           <a:p>
             <a:fld id="{BE393F72-8C5B-40D4-BCB1-7EEE547C6601}" type="datetimeFigureOut">
               <a:rPr lang="en-US" smtClean="0"/>
-              <a:t>10/27/2022</a:t>
+              <a:t>10/30/2022</a:t>
             </a:fld>
             <a:endParaRPr lang="en-US"/>
           </a:p>
@@ -638,7 +702,7 @@
           <a:p>
             <a:fld id="{BE393F72-8C5B-40D4-BCB1-7EEE547C6601}" type="datetimeFigureOut">
               <a:rPr lang="en-US" smtClean="0"/>
-              <a:t>10/27/2022</a:t>
+              <a:t>10/30/2022</a:t>
             </a:fld>
             <a:endParaRPr lang="en-US"/>
           </a:p>
@@ -818,7 +882,7 @@
           <a:p>
             <a:fld id="{BE393F72-8C5B-40D4-BCB1-7EEE547C6601}" type="datetimeFigureOut">
               <a:rPr lang="en-US" smtClean="0"/>
-              <a:t>10/27/2022</a:t>
+              <a:t>10/30/2022</a:t>
             </a:fld>
             <a:endParaRPr lang="en-US"/>
           </a:p>
@@ -988,7 +1052,7 @@
           <a:p>
             <a:fld id="{BE393F72-8C5B-40D4-BCB1-7EEE547C6601}" type="datetimeFigureOut">
               <a:rPr lang="en-US" smtClean="0"/>
-              <a:t>10/27/2022</a:t>
+              <a:t>10/30/2022</a:t>
             </a:fld>
             <a:endParaRPr lang="en-US"/>
           </a:p>
@@ -1242,7 +1306,7 @@
           <a:p>
             <a:fld id="{BE393F72-8C5B-40D4-BCB1-7EEE547C6601}" type="datetimeFigureOut">
               <a:rPr lang="en-US" smtClean="0"/>
-              <a:t>10/27/2022</a:t>
+              <a:t>10/30/2022</a:t>
             </a:fld>
             <a:endParaRPr lang="en-US"/>
           </a:p>
@@ -1568,7 +1632,7 @@
           <a:p>
             <a:fld id="{BE393F72-8C5B-40D4-BCB1-7EEE547C6601}" type="datetimeFigureOut">
               <a:rPr lang="en-US" smtClean="0"/>
-              <a:t>10/27/2022</a:t>
+              <a:t>10/30/2022</a:t>
             </a:fld>
             <a:endParaRPr lang="en-US"/>
           </a:p>
@@ -2019,7 +2083,7 @@
           <a:p>
             <a:fld id="{BE393F72-8C5B-40D4-BCB1-7EEE547C6601}" type="datetimeFigureOut">
               <a:rPr lang="en-US" smtClean="0"/>
-              <a:t>10/27/2022</a:t>
+              <a:t>10/30/2022</a:t>
             </a:fld>
             <a:endParaRPr lang="en-US"/>
           </a:p>
@@ -2137,7 +2201,7 @@
           <a:p>
             <a:fld id="{BE393F72-8C5B-40D4-BCB1-7EEE547C6601}" type="datetimeFigureOut">
               <a:rPr lang="en-US" smtClean="0"/>
-              <a:t>10/27/2022</a:t>
+              <a:t>10/30/2022</a:t>
             </a:fld>
             <a:endParaRPr lang="en-US"/>
           </a:p>
@@ -2232,7 +2296,7 @@
           <a:p>
             <a:fld id="{BE393F72-8C5B-40D4-BCB1-7EEE547C6601}" type="datetimeFigureOut">
               <a:rPr lang="en-US" smtClean="0"/>
-              <a:t>10/27/2022</a:t>
+              <a:t>10/30/2022</a:t>
             </a:fld>
             <a:endParaRPr lang="en-US"/>
           </a:p>
@@ -2519,7 +2583,7 @@
           <a:p>
             <a:fld id="{BE393F72-8C5B-40D4-BCB1-7EEE547C6601}" type="datetimeFigureOut">
               <a:rPr lang="en-US" smtClean="0"/>
-              <a:t>10/27/2022</a:t>
+              <a:t>10/30/2022</a:t>
             </a:fld>
             <a:endParaRPr lang="en-US"/>
           </a:p>
@@ -2841,7 +2905,7 @@
           <a:p>
             <a:fld id="{BE393F72-8C5B-40D4-BCB1-7EEE547C6601}" type="datetimeFigureOut">
               <a:rPr lang="en-US" smtClean="0"/>
-              <a:t>10/27/2022</a:t>
+              <a:t>10/30/2022</a:t>
             </a:fld>
             <a:endParaRPr lang="en-US"/>
           </a:p>
@@ -3095,7 +3159,7 @@
           <a:p>
             <a:fld id="{BE393F72-8C5B-40D4-BCB1-7EEE547C6601}" type="datetimeFigureOut">
               <a:rPr lang="en-US" smtClean="0"/>
-              <a:t>10/27/2022</a:t>
+              <a:t>10/30/2022</a:t>
             </a:fld>
             <a:endParaRPr lang="en-US"/>
           </a:p>
@@ -4248,6 +4312,1046 @@
           <p:cNvPr id="2" name="Title 1">
             <a:extLst>
               <a:ext uri="{FF2B5EF4-FFF2-40B4-BE49-F238E27FC236}">
+                <a16:creationId xmlns:a16="http://schemas.microsoft.com/office/drawing/2014/main" id="{BAA21571-DC98-035D-5F3F-3790BBE1CB08}"/>
+              </a:ext>
+            </a:extLst>
+          </p:cNvPr>
+          <p:cNvSpPr txBox="1">
+            <a:spLocks/>
+          </p:cNvSpPr>
+          <p:nvPr/>
+        </p:nvSpPr>
+        <p:spPr>
+          <a:xfrm>
+            <a:off x="371061" y="365760"/>
+            <a:ext cx="10583451" cy="1325562"/>
+          </a:xfrm>
+          <a:prstGeom prst="rect">
+            <a:avLst/>
+          </a:prstGeom>
+        </p:spPr>
+        <p:txBody>
+          <a:bodyPr>
+            <a:normAutofit/>
+          </a:bodyPr>
+          <a:lstStyle>
+            <a:lvl1pPr algn="l" defTabSz="914400" rtl="0" eaLnBrk="1" latinLnBrk="0" hangingPunct="1">
+              <a:lnSpc>
+                <a:spcPct val="90000"/>
+              </a:lnSpc>
+              <a:spcBef>
+                <a:spcPct val="0"/>
+              </a:spcBef>
+              <a:buNone/>
+              <a:defRPr sz="4400" kern="1200" spc="-50" baseline="0">
+                <a:solidFill>
+                  <a:schemeClr val="tx1"/>
+                </a:solidFill>
+                <a:latin typeface="+mj-lt"/>
+                <a:ea typeface="+mj-ea"/>
+                <a:cs typeface="+mj-cs"/>
+              </a:defRPr>
+            </a:lvl1pPr>
+          </a:lstStyle>
+          <a:p>
+            <a:r>
+              <a:rPr lang="en-IN" sz="3000" b="1" dirty="0">
+                <a:solidFill>
+                  <a:schemeClr val="accent1"/>
+                </a:solidFill>
+                <a:latin typeface="Calibri" panose="020F0502020204030204" pitchFamily="34" charset="0"/>
+                <a:cs typeface="Calibri" panose="020F0502020204030204" pitchFamily="34" charset="0"/>
+              </a:rPr>
+              <a:t>Does colour and body type have any impact on the resale prices of the cars?</a:t>
+            </a:r>
+            <a:endParaRPr lang="hi-IN" sz="3000" dirty="0">
+              <a:solidFill>
+                <a:schemeClr val="accent1"/>
+              </a:solidFill>
+            </a:endParaRPr>
+          </a:p>
+        </p:txBody>
+      </p:sp>
+      <p:pic>
+        <p:nvPicPr>
+          <p:cNvPr id="5" name="Content Placeholder 4" descr="Chart, box and whisker chart&#10;&#10;Description automatically generated">
+            <a:extLst>
+              <a:ext uri="{FF2B5EF4-FFF2-40B4-BE49-F238E27FC236}">
+                <a16:creationId xmlns:a16="http://schemas.microsoft.com/office/drawing/2014/main" id="{78B23EF1-4912-0655-E463-25BBB388C4D3}"/>
+              </a:ext>
+            </a:extLst>
+          </p:cNvPr>
+          <p:cNvPicPr>
+            <a:picLocks noGrp="1" noChangeAspect="1"/>
+          </p:cNvPicPr>
+          <p:nvPr/>
+        </p:nvPicPr>
+        <p:blipFill>
+          <a:blip r:embed="rId2">
+            <a:extLst>
+              <a:ext uri="{28A0092B-C50C-407E-A947-70E740481C1C}">
+                <a14:useLocalDpi xmlns:a14="http://schemas.microsoft.com/office/drawing/2010/main" val="0"/>
+              </a:ext>
+            </a:extLst>
+          </a:blip>
+          <a:stretch>
+            <a:fillRect/>
+          </a:stretch>
+        </p:blipFill>
+        <p:spPr>
+          <a:xfrm>
+            <a:off x="371061" y="2046511"/>
+            <a:ext cx="5099584" cy="3539462"/>
+          </a:xfrm>
+          <a:prstGeom prst="rect">
+            <a:avLst/>
+          </a:prstGeom>
+        </p:spPr>
+      </p:pic>
+      <p:pic>
+        <p:nvPicPr>
+          <p:cNvPr id="6" name="Picture 5" descr="Chart, box and whisker chart&#10;&#10;Description automatically generated">
+            <a:extLst>
+              <a:ext uri="{FF2B5EF4-FFF2-40B4-BE49-F238E27FC236}">
+                <a16:creationId xmlns:a16="http://schemas.microsoft.com/office/drawing/2014/main" id="{93EAD895-6AA3-6BB4-8CBD-6F964F98E8CA}"/>
+              </a:ext>
+            </a:extLst>
+          </p:cNvPr>
+          <p:cNvPicPr>
+            <a:picLocks noChangeAspect="1"/>
+          </p:cNvPicPr>
+          <p:nvPr/>
+        </p:nvPicPr>
+        <p:blipFill>
+          <a:blip r:embed="rId3">
+            <a:extLst>
+              <a:ext uri="{28A0092B-C50C-407E-A947-70E740481C1C}">
+                <a14:useLocalDpi xmlns:a14="http://schemas.microsoft.com/office/drawing/2010/main" val="0"/>
+              </a:ext>
+            </a:extLst>
+          </a:blip>
+          <a:stretch>
+            <a:fillRect/>
+          </a:stretch>
+        </p:blipFill>
+        <p:spPr>
+          <a:xfrm>
+            <a:off x="5519529" y="2046512"/>
+            <a:ext cx="5716981" cy="3539461"/>
+          </a:xfrm>
+          <a:prstGeom prst="rect">
+            <a:avLst/>
+          </a:prstGeom>
+        </p:spPr>
+      </p:pic>
+    </p:spTree>
+    <p:extLst>
+      <p:ext uri="{BB962C8B-B14F-4D97-AF65-F5344CB8AC3E}">
+        <p14:creationId xmlns:p14="http://schemas.microsoft.com/office/powerpoint/2010/main" val="1196958084"/>
+      </p:ext>
+    </p:extLst>
+  </p:cSld>
+  <p:clrMapOvr>
+    <a:masterClrMapping/>
+  </p:clrMapOvr>
+</p:sld>
+</file>
+
+<file path=ppt/slides/slide11.xml><?xml version="1.0" encoding="utf-8"?>
+<p:sld xmlns:a="http://schemas.openxmlformats.org/drawingml/2006/main" xmlns:r="http://schemas.openxmlformats.org/officeDocument/2006/relationships" xmlns:p="http://schemas.openxmlformats.org/presentationml/2006/main">
+  <p:cSld>
+    <p:spTree>
+      <p:nvGrpSpPr>
+        <p:cNvPr id="1" name=""/>
+        <p:cNvGrpSpPr/>
+        <p:nvPr/>
+      </p:nvGrpSpPr>
+      <p:grpSpPr>
+        <a:xfrm>
+          <a:off x="0" y="0"/>
+          <a:ext cx="0" cy="0"/>
+          <a:chOff x="0" y="0"/>
+          <a:chExt cx="0" cy="0"/>
+        </a:xfrm>
+      </p:grpSpPr>
+      <p:sp>
+        <p:nvSpPr>
+          <p:cNvPr id="2" name="Title 1">
+            <a:extLst>
+              <a:ext uri="{FF2B5EF4-FFF2-40B4-BE49-F238E27FC236}">
+                <a16:creationId xmlns:a16="http://schemas.microsoft.com/office/drawing/2014/main" id="{BAA21571-DC98-035D-5F3F-3790BBE1CB08}"/>
+              </a:ext>
+            </a:extLst>
+          </p:cNvPr>
+          <p:cNvSpPr txBox="1">
+            <a:spLocks/>
+          </p:cNvSpPr>
+          <p:nvPr/>
+        </p:nvSpPr>
+        <p:spPr>
+          <a:xfrm>
+            <a:off x="371061" y="365760"/>
+            <a:ext cx="10583451" cy="1325562"/>
+          </a:xfrm>
+          <a:prstGeom prst="rect">
+            <a:avLst/>
+          </a:prstGeom>
+        </p:spPr>
+        <p:txBody>
+          <a:bodyPr>
+            <a:normAutofit/>
+          </a:bodyPr>
+          <a:lstStyle>
+            <a:lvl1pPr algn="l" defTabSz="914400" rtl="0" eaLnBrk="1" latinLnBrk="0" hangingPunct="1">
+              <a:lnSpc>
+                <a:spcPct val="90000"/>
+              </a:lnSpc>
+              <a:spcBef>
+                <a:spcPct val="0"/>
+              </a:spcBef>
+              <a:buNone/>
+              <a:defRPr sz="4400" kern="1200" spc="-50" baseline="0">
+                <a:solidFill>
+                  <a:schemeClr val="tx1"/>
+                </a:solidFill>
+                <a:latin typeface="+mj-lt"/>
+                <a:ea typeface="+mj-ea"/>
+                <a:cs typeface="+mj-cs"/>
+              </a:defRPr>
+            </a:lvl1pPr>
+          </a:lstStyle>
+          <a:p>
+            <a:r>
+              <a:rPr lang="en-IN" sz="3000" b="1" dirty="0">
+                <a:solidFill>
+                  <a:schemeClr val="accent1"/>
+                </a:solidFill>
+                <a:latin typeface="Calibri" panose="020F0502020204030204" pitchFamily="34" charset="0"/>
+                <a:cs typeface="Calibri" panose="020F0502020204030204" pitchFamily="34" charset="0"/>
+              </a:rPr>
+              <a:t>Does colour and body type have any impact on the resale prices of the cars?</a:t>
+            </a:r>
+            <a:endParaRPr lang="hi-IN" sz="3000" dirty="0">
+              <a:solidFill>
+                <a:schemeClr val="accent1"/>
+              </a:solidFill>
+            </a:endParaRPr>
+          </a:p>
+        </p:txBody>
+      </p:sp>
+      <p:pic>
+        <p:nvPicPr>
+          <p:cNvPr id="3" name="Picture 2" descr="Text, letter&#10;&#10;Description automatically generated">
+            <a:extLst>
+              <a:ext uri="{FF2B5EF4-FFF2-40B4-BE49-F238E27FC236}">
+                <a16:creationId xmlns:a16="http://schemas.microsoft.com/office/drawing/2014/main" id="{17818F19-7F34-EC48-17A6-32C476512DF1}"/>
+              </a:ext>
+            </a:extLst>
+          </p:cNvPr>
+          <p:cNvPicPr>
+            <a:picLocks noChangeAspect="1"/>
+          </p:cNvPicPr>
+          <p:nvPr/>
+        </p:nvPicPr>
+        <p:blipFill>
+          <a:blip r:embed="rId2">
+            <a:extLst>
+              <a:ext uri="{28A0092B-C50C-407E-A947-70E740481C1C}">
+                <a14:useLocalDpi xmlns:a14="http://schemas.microsoft.com/office/drawing/2010/main" val="0"/>
+              </a:ext>
+            </a:extLst>
+          </a:blip>
+          <a:stretch>
+            <a:fillRect/>
+          </a:stretch>
+        </p:blipFill>
+        <p:spPr>
+          <a:xfrm>
+            <a:off x="2067122" y="1809141"/>
+            <a:ext cx="7191328" cy="3684971"/>
+          </a:xfrm>
+          <a:prstGeom prst="rect">
+            <a:avLst/>
+          </a:prstGeom>
+        </p:spPr>
+      </p:pic>
+    </p:spTree>
+    <p:extLst>
+      <p:ext uri="{BB962C8B-B14F-4D97-AF65-F5344CB8AC3E}">
+        <p14:creationId xmlns:p14="http://schemas.microsoft.com/office/powerpoint/2010/main" val="4245471114"/>
+      </p:ext>
+    </p:extLst>
+  </p:cSld>
+  <p:clrMapOvr>
+    <a:masterClrMapping/>
+  </p:clrMapOvr>
+</p:sld>
+</file>
+
+<file path=ppt/slides/slide12.xml><?xml version="1.0" encoding="utf-8"?>
+<p:sld xmlns:a="http://schemas.openxmlformats.org/drawingml/2006/main" xmlns:r="http://schemas.openxmlformats.org/officeDocument/2006/relationships" xmlns:p="http://schemas.openxmlformats.org/presentationml/2006/main">
+  <p:cSld>
+    <p:spTree>
+      <p:nvGrpSpPr>
+        <p:cNvPr id="1" name=""/>
+        <p:cNvGrpSpPr/>
+        <p:nvPr/>
+      </p:nvGrpSpPr>
+      <p:grpSpPr>
+        <a:xfrm>
+          <a:off x="0" y="0"/>
+          <a:ext cx="0" cy="0"/>
+          <a:chOff x="0" y="0"/>
+          <a:chExt cx="0" cy="0"/>
+        </a:xfrm>
+      </p:grpSpPr>
+      <p:sp>
+        <p:nvSpPr>
+          <p:cNvPr id="2" name="Title 1">
+            <a:extLst>
+              <a:ext uri="{FF2B5EF4-FFF2-40B4-BE49-F238E27FC236}">
+                <a16:creationId xmlns:a16="http://schemas.microsoft.com/office/drawing/2014/main" id="{BAA21571-DC98-035D-5F3F-3790BBE1CB08}"/>
+              </a:ext>
+            </a:extLst>
+          </p:cNvPr>
+          <p:cNvSpPr txBox="1">
+            <a:spLocks/>
+          </p:cNvSpPr>
+          <p:nvPr/>
+        </p:nvSpPr>
+        <p:spPr>
+          <a:xfrm>
+            <a:off x="371061" y="365760"/>
+            <a:ext cx="10583451" cy="1325562"/>
+          </a:xfrm>
+          <a:prstGeom prst="rect">
+            <a:avLst/>
+          </a:prstGeom>
+        </p:spPr>
+        <p:txBody>
+          <a:bodyPr>
+            <a:normAutofit/>
+          </a:bodyPr>
+          <a:lstStyle>
+            <a:lvl1pPr algn="l" defTabSz="914400" rtl="0" eaLnBrk="1" latinLnBrk="0" hangingPunct="1">
+              <a:lnSpc>
+                <a:spcPct val="90000"/>
+              </a:lnSpc>
+              <a:spcBef>
+                <a:spcPct val="0"/>
+              </a:spcBef>
+              <a:buNone/>
+              <a:defRPr sz="4400" kern="1200" spc="-50" baseline="0">
+                <a:solidFill>
+                  <a:schemeClr val="tx1"/>
+                </a:solidFill>
+                <a:latin typeface="+mj-lt"/>
+                <a:ea typeface="+mj-ea"/>
+                <a:cs typeface="+mj-cs"/>
+              </a:defRPr>
+            </a:lvl1pPr>
+          </a:lstStyle>
+          <a:p>
+            <a:r>
+              <a:rPr lang="en-IN" sz="3000" b="1" dirty="0">
+                <a:solidFill>
+                  <a:schemeClr val="accent1"/>
+                </a:solidFill>
+                <a:latin typeface="Calibri" panose="020F0502020204030204" pitchFamily="34" charset="0"/>
+                <a:cs typeface="Calibri" panose="020F0502020204030204" pitchFamily="34" charset="0"/>
+              </a:rPr>
+              <a:t>Does the number of photos have any impact on the car’s resale value?</a:t>
+            </a:r>
+            <a:endParaRPr lang="hi-IN" sz="3000" dirty="0">
+              <a:solidFill>
+                <a:schemeClr val="accent1"/>
+              </a:solidFill>
+            </a:endParaRPr>
+          </a:p>
+        </p:txBody>
+      </p:sp>
+      <p:pic>
+        <p:nvPicPr>
+          <p:cNvPr id="4" name="Picture 3" descr="Chart, box and whisker chart&#10;&#10;Description automatically generated">
+            <a:extLst>
+              <a:ext uri="{FF2B5EF4-FFF2-40B4-BE49-F238E27FC236}">
+                <a16:creationId xmlns:a16="http://schemas.microsoft.com/office/drawing/2014/main" id="{DDAB5879-017E-E702-8CF3-40EBB1B0E7F3}"/>
+              </a:ext>
+            </a:extLst>
+          </p:cNvPr>
+          <p:cNvPicPr>
+            <a:picLocks noChangeAspect="1"/>
+          </p:cNvPicPr>
+          <p:nvPr/>
+        </p:nvPicPr>
+        <p:blipFill>
+          <a:blip r:embed="rId2">
+            <a:extLst>
+              <a:ext uri="{28A0092B-C50C-407E-A947-70E740481C1C}">
+                <a14:useLocalDpi xmlns:a14="http://schemas.microsoft.com/office/drawing/2010/main" val="0"/>
+              </a:ext>
+            </a:extLst>
+          </a:blip>
+          <a:stretch>
+            <a:fillRect/>
+          </a:stretch>
+        </p:blipFill>
+        <p:spPr>
+          <a:xfrm>
+            <a:off x="1945005" y="1780222"/>
+            <a:ext cx="7143750" cy="4333875"/>
+          </a:xfrm>
+          <a:prstGeom prst="rect">
+            <a:avLst/>
+          </a:prstGeom>
+        </p:spPr>
+      </p:pic>
+    </p:spTree>
+    <p:extLst>
+      <p:ext uri="{BB962C8B-B14F-4D97-AF65-F5344CB8AC3E}">
+        <p14:creationId xmlns:p14="http://schemas.microsoft.com/office/powerpoint/2010/main" val="1551266477"/>
+      </p:ext>
+    </p:extLst>
+  </p:cSld>
+  <p:clrMapOvr>
+    <a:masterClrMapping/>
+  </p:clrMapOvr>
+</p:sld>
+</file>
+
+<file path=ppt/slides/slide13.xml><?xml version="1.0" encoding="utf-8"?>
+<p:sld xmlns:a="http://schemas.openxmlformats.org/drawingml/2006/main" xmlns:r="http://schemas.openxmlformats.org/officeDocument/2006/relationships" xmlns:p="http://schemas.openxmlformats.org/presentationml/2006/main">
+  <p:cSld>
+    <p:spTree>
+      <p:nvGrpSpPr>
+        <p:cNvPr id="1" name=""/>
+        <p:cNvGrpSpPr/>
+        <p:nvPr/>
+      </p:nvGrpSpPr>
+      <p:grpSpPr>
+        <a:xfrm>
+          <a:off x="0" y="0"/>
+          <a:ext cx="0" cy="0"/>
+          <a:chOff x="0" y="0"/>
+          <a:chExt cx="0" cy="0"/>
+        </a:xfrm>
+      </p:grpSpPr>
+      <p:sp>
+        <p:nvSpPr>
+          <p:cNvPr id="2" name="Title 1">
+            <a:extLst>
+              <a:ext uri="{FF2B5EF4-FFF2-40B4-BE49-F238E27FC236}">
+                <a16:creationId xmlns:a16="http://schemas.microsoft.com/office/drawing/2014/main" id="{BAA21571-DC98-035D-5F3F-3790BBE1CB08}"/>
+              </a:ext>
+            </a:extLst>
+          </p:cNvPr>
+          <p:cNvSpPr txBox="1">
+            <a:spLocks/>
+          </p:cNvSpPr>
+          <p:nvPr/>
+        </p:nvSpPr>
+        <p:spPr>
+          <a:xfrm>
+            <a:off x="371061" y="441960"/>
+            <a:ext cx="10583451" cy="789940"/>
+          </a:xfrm>
+          <a:prstGeom prst="rect">
+            <a:avLst/>
+          </a:prstGeom>
+        </p:spPr>
+        <p:txBody>
+          <a:bodyPr>
+            <a:normAutofit/>
+          </a:bodyPr>
+          <a:lstStyle>
+            <a:lvl1pPr algn="l" defTabSz="914400" rtl="0" eaLnBrk="1" latinLnBrk="0" hangingPunct="1">
+              <a:lnSpc>
+                <a:spcPct val="90000"/>
+              </a:lnSpc>
+              <a:spcBef>
+                <a:spcPct val="0"/>
+              </a:spcBef>
+              <a:buNone/>
+              <a:defRPr sz="4400" kern="1200" spc="-50" baseline="0">
+                <a:solidFill>
+                  <a:schemeClr val="tx1"/>
+                </a:solidFill>
+                <a:latin typeface="+mj-lt"/>
+                <a:ea typeface="+mj-ea"/>
+                <a:cs typeface="+mj-cs"/>
+              </a:defRPr>
+            </a:lvl1pPr>
+          </a:lstStyle>
+          <a:p>
+            <a:r>
+              <a:rPr lang="en-IN" sz="3000" b="1" dirty="0">
+                <a:solidFill>
+                  <a:schemeClr val="accent1"/>
+                </a:solidFill>
+                <a:latin typeface="Calibri" panose="020F0502020204030204" pitchFamily="34" charset="0"/>
+                <a:cs typeface="Calibri" panose="020F0502020204030204" pitchFamily="34" charset="0"/>
+              </a:rPr>
+              <a:t>Does drivetrain have any impact on the car’s resale value?</a:t>
+            </a:r>
+            <a:endParaRPr lang="hi-IN" sz="3000" dirty="0">
+              <a:solidFill>
+                <a:schemeClr val="accent1"/>
+              </a:solidFill>
+            </a:endParaRPr>
+          </a:p>
+        </p:txBody>
+      </p:sp>
+      <p:pic>
+        <p:nvPicPr>
+          <p:cNvPr id="8" name="Picture 7">
+            <a:extLst>
+              <a:ext uri="{FF2B5EF4-FFF2-40B4-BE49-F238E27FC236}">
+                <a16:creationId xmlns:a16="http://schemas.microsoft.com/office/drawing/2014/main" id="{E02A57E4-E5E7-9510-AE94-E498D5B521D0}"/>
+              </a:ext>
+            </a:extLst>
+          </p:cNvPr>
+          <p:cNvPicPr>
+            <a:picLocks noChangeAspect="1"/>
+          </p:cNvPicPr>
+          <p:nvPr/>
+        </p:nvPicPr>
+        <p:blipFill>
+          <a:blip r:embed="rId2">
+            <a:extLst>
+              <a:ext uri="{28A0092B-C50C-407E-A947-70E740481C1C}">
+                <a14:useLocalDpi xmlns:a14="http://schemas.microsoft.com/office/drawing/2010/main" val="0"/>
+              </a:ext>
+            </a:extLst>
+          </a:blip>
+          <a:stretch>
+            <a:fillRect/>
+          </a:stretch>
+        </p:blipFill>
+        <p:spPr>
+          <a:xfrm>
+            <a:off x="308907" y="1785722"/>
+            <a:ext cx="5353879" cy="3286555"/>
+          </a:xfrm>
+          <a:prstGeom prst="rect">
+            <a:avLst/>
+          </a:prstGeom>
+        </p:spPr>
+      </p:pic>
+      <p:pic>
+        <p:nvPicPr>
+          <p:cNvPr id="4" name="Picture 3">
+            <a:extLst>
+              <a:ext uri="{FF2B5EF4-FFF2-40B4-BE49-F238E27FC236}">
+                <a16:creationId xmlns:a16="http://schemas.microsoft.com/office/drawing/2014/main" id="{F0BD9494-27B1-1133-68EF-DC569CBD55FB}"/>
+              </a:ext>
+            </a:extLst>
+          </p:cNvPr>
+          <p:cNvPicPr>
+            <a:picLocks noChangeAspect="1"/>
+          </p:cNvPicPr>
+          <p:nvPr/>
+        </p:nvPicPr>
+        <p:blipFill>
+          <a:blip r:embed="rId3">
+            <a:extLst>
+              <a:ext uri="{28A0092B-C50C-407E-A947-70E740481C1C}">
+                <a14:useLocalDpi xmlns:a14="http://schemas.microsoft.com/office/drawing/2010/main" val="0"/>
+              </a:ext>
+            </a:extLst>
+          </a:blip>
+          <a:stretch>
+            <a:fillRect/>
+          </a:stretch>
+        </p:blipFill>
+        <p:spPr>
+          <a:xfrm>
+            <a:off x="5964997" y="2010722"/>
+            <a:ext cx="4989515" cy="2921266"/>
+          </a:xfrm>
+          <a:prstGeom prst="rect">
+            <a:avLst/>
+          </a:prstGeom>
+        </p:spPr>
+      </p:pic>
+    </p:spTree>
+    <p:extLst>
+      <p:ext uri="{BB962C8B-B14F-4D97-AF65-F5344CB8AC3E}">
+        <p14:creationId xmlns:p14="http://schemas.microsoft.com/office/powerpoint/2010/main" val="923640482"/>
+      </p:ext>
+    </p:extLst>
+  </p:cSld>
+  <p:clrMapOvr>
+    <a:masterClrMapping/>
+  </p:clrMapOvr>
+</p:sld>
+</file>
+
+<file path=ppt/slides/slide14.xml><?xml version="1.0" encoding="utf-8"?>
+<p:sld xmlns:a="http://schemas.openxmlformats.org/drawingml/2006/main" xmlns:r="http://schemas.openxmlformats.org/officeDocument/2006/relationships" xmlns:p="http://schemas.openxmlformats.org/presentationml/2006/main">
+  <p:cSld>
+    <p:spTree>
+      <p:nvGrpSpPr>
+        <p:cNvPr id="1" name=""/>
+        <p:cNvGrpSpPr/>
+        <p:nvPr/>
+      </p:nvGrpSpPr>
+      <p:grpSpPr>
+        <a:xfrm>
+          <a:off x="0" y="0"/>
+          <a:ext cx="0" cy="0"/>
+          <a:chOff x="0" y="0"/>
+          <a:chExt cx="0" cy="0"/>
+        </a:xfrm>
+      </p:grpSpPr>
+      <p:sp>
+        <p:nvSpPr>
+          <p:cNvPr id="2" name="Title 1">
+            <a:extLst>
+              <a:ext uri="{FF2B5EF4-FFF2-40B4-BE49-F238E27FC236}">
+                <a16:creationId xmlns:a16="http://schemas.microsoft.com/office/drawing/2014/main" id="{6B4F4023-A19C-CBEB-5879-C7BB029CEA14}"/>
+              </a:ext>
+            </a:extLst>
+          </p:cNvPr>
+          <p:cNvSpPr txBox="1">
+            <a:spLocks/>
+          </p:cNvSpPr>
+          <p:nvPr/>
+        </p:nvSpPr>
+        <p:spPr>
+          <a:xfrm>
+            <a:off x="371061" y="365760"/>
+            <a:ext cx="10583451" cy="1325562"/>
+          </a:xfrm>
+          <a:prstGeom prst="rect">
+            <a:avLst/>
+          </a:prstGeom>
+        </p:spPr>
+        <p:txBody>
+          <a:bodyPr>
+            <a:normAutofit/>
+          </a:bodyPr>
+          <a:lstStyle>
+            <a:lvl1pPr algn="l" defTabSz="914400" rtl="0" eaLnBrk="1" latinLnBrk="0" hangingPunct="1">
+              <a:lnSpc>
+                <a:spcPct val="90000"/>
+              </a:lnSpc>
+              <a:spcBef>
+                <a:spcPct val="0"/>
+              </a:spcBef>
+              <a:buNone/>
+              <a:defRPr sz="4400" kern="1200" spc="-50" baseline="0">
+                <a:solidFill>
+                  <a:schemeClr val="tx1"/>
+                </a:solidFill>
+                <a:latin typeface="+mj-lt"/>
+                <a:ea typeface="+mj-ea"/>
+                <a:cs typeface="+mj-cs"/>
+              </a:defRPr>
+            </a:lvl1pPr>
+          </a:lstStyle>
+          <a:p>
+            <a:r>
+              <a:rPr lang="en-IN" sz="3000" b="1" dirty="0">
+                <a:solidFill>
+                  <a:schemeClr val="accent1"/>
+                </a:solidFill>
+                <a:latin typeface="Calibri" panose="020F0502020204030204" pitchFamily="34" charset="0"/>
+                <a:cs typeface="Calibri" panose="020F0502020204030204" pitchFamily="34" charset="0"/>
+              </a:rPr>
+              <a:t>Are the resale prices of the cars dependent on fuel and engine type? </a:t>
+            </a:r>
+            <a:endParaRPr lang="hi-IN" sz="3000" dirty="0">
+              <a:solidFill>
+                <a:schemeClr val="accent1"/>
+              </a:solidFill>
+            </a:endParaRPr>
+          </a:p>
+        </p:txBody>
+      </p:sp>
+      <p:pic>
+        <p:nvPicPr>
+          <p:cNvPr id="3" name="Content Placeholder 4">
+            <a:extLst>
+              <a:ext uri="{FF2B5EF4-FFF2-40B4-BE49-F238E27FC236}">
+                <a16:creationId xmlns:a16="http://schemas.microsoft.com/office/drawing/2014/main" id="{71E8F688-1FB1-52CE-4EA0-7F8EF0C0E6E3}"/>
+              </a:ext>
+            </a:extLst>
+          </p:cNvPr>
+          <p:cNvPicPr>
+            <a:picLocks noGrp="1" noChangeAspect="1"/>
+          </p:cNvPicPr>
+          <p:nvPr/>
+        </p:nvPicPr>
+        <p:blipFill>
+          <a:blip r:embed="rId2"/>
+          <a:stretch>
+            <a:fillRect/>
+          </a:stretch>
+        </p:blipFill>
+        <p:spPr>
+          <a:xfrm>
+            <a:off x="352649" y="1691322"/>
+            <a:ext cx="5743351" cy="3104326"/>
+          </a:xfrm>
+          <a:prstGeom prst="rect">
+            <a:avLst/>
+          </a:prstGeom>
+        </p:spPr>
+      </p:pic>
+      <p:pic>
+        <p:nvPicPr>
+          <p:cNvPr id="4" name="Picture 3">
+            <a:extLst>
+              <a:ext uri="{FF2B5EF4-FFF2-40B4-BE49-F238E27FC236}">
+                <a16:creationId xmlns:a16="http://schemas.microsoft.com/office/drawing/2014/main" id="{54D831BA-4B5C-7F84-75E1-9EB154252BA5}"/>
+              </a:ext>
+            </a:extLst>
+          </p:cNvPr>
+          <p:cNvPicPr>
+            <a:picLocks noChangeAspect="1"/>
+          </p:cNvPicPr>
+          <p:nvPr/>
+        </p:nvPicPr>
+        <p:blipFill>
+          <a:blip r:embed="rId3"/>
+          <a:stretch>
+            <a:fillRect/>
+          </a:stretch>
+        </p:blipFill>
+        <p:spPr>
+          <a:xfrm>
+            <a:off x="5645619" y="1691322"/>
+            <a:ext cx="5308893" cy="3104326"/>
+          </a:xfrm>
+          <a:prstGeom prst="rect">
+            <a:avLst/>
+          </a:prstGeom>
+        </p:spPr>
+      </p:pic>
+    </p:spTree>
+    <p:extLst>
+      <p:ext uri="{BB962C8B-B14F-4D97-AF65-F5344CB8AC3E}">
+        <p14:creationId xmlns:p14="http://schemas.microsoft.com/office/powerpoint/2010/main" val="1557124779"/>
+      </p:ext>
+    </p:extLst>
+  </p:cSld>
+  <p:clrMapOvr>
+    <a:masterClrMapping/>
+  </p:clrMapOvr>
+</p:sld>
+</file>
+
+<file path=ppt/slides/slide15.xml><?xml version="1.0" encoding="utf-8"?>
+<p:sld xmlns:a="http://schemas.openxmlformats.org/drawingml/2006/main" xmlns:r="http://schemas.openxmlformats.org/officeDocument/2006/relationships" xmlns:p="http://schemas.openxmlformats.org/presentationml/2006/main">
+  <p:cSld>
+    <p:spTree>
+      <p:nvGrpSpPr>
+        <p:cNvPr id="1" name=""/>
+        <p:cNvGrpSpPr/>
+        <p:nvPr/>
+      </p:nvGrpSpPr>
+      <p:grpSpPr>
+        <a:xfrm>
+          <a:off x="0" y="0"/>
+          <a:ext cx="0" cy="0"/>
+          <a:chOff x="0" y="0"/>
+          <a:chExt cx="0" cy="0"/>
+        </a:xfrm>
+      </p:grpSpPr>
+      <p:sp>
+        <p:nvSpPr>
+          <p:cNvPr id="2" name="Title 1">
+            <a:extLst>
+              <a:ext uri="{FF2B5EF4-FFF2-40B4-BE49-F238E27FC236}">
+                <a16:creationId xmlns:a16="http://schemas.microsoft.com/office/drawing/2014/main" id="{6B4F4023-A19C-CBEB-5879-C7BB029CEA14}"/>
+              </a:ext>
+            </a:extLst>
+          </p:cNvPr>
+          <p:cNvSpPr txBox="1">
+            <a:spLocks/>
+          </p:cNvSpPr>
+          <p:nvPr/>
+        </p:nvSpPr>
+        <p:spPr>
+          <a:xfrm>
+            <a:off x="485817" y="721360"/>
+            <a:ext cx="10583451" cy="726440"/>
+          </a:xfrm>
+          <a:prstGeom prst="rect">
+            <a:avLst/>
+          </a:prstGeom>
+        </p:spPr>
+        <p:txBody>
+          <a:bodyPr>
+            <a:normAutofit/>
+          </a:bodyPr>
+          <a:lstStyle>
+            <a:lvl1pPr algn="l" defTabSz="914400" rtl="0" eaLnBrk="1" latinLnBrk="0" hangingPunct="1">
+              <a:lnSpc>
+                <a:spcPct val="90000"/>
+              </a:lnSpc>
+              <a:spcBef>
+                <a:spcPct val="0"/>
+              </a:spcBef>
+              <a:buNone/>
+              <a:defRPr sz="4400" kern="1200" spc="-50" baseline="0">
+                <a:solidFill>
+                  <a:schemeClr val="tx1"/>
+                </a:solidFill>
+                <a:latin typeface="+mj-lt"/>
+                <a:ea typeface="+mj-ea"/>
+                <a:cs typeface="+mj-cs"/>
+              </a:defRPr>
+            </a:lvl1pPr>
+          </a:lstStyle>
+          <a:p>
+            <a:r>
+              <a:rPr lang="en-IN" sz="3000" b="1" dirty="0">
+                <a:solidFill>
+                  <a:schemeClr val="accent1"/>
+                </a:solidFill>
+                <a:latin typeface="Calibri" panose="020F0502020204030204" pitchFamily="34" charset="0"/>
+                <a:cs typeface="Calibri" panose="020F0502020204030204" pitchFamily="34" charset="0"/>
+              </a:rPr>
+              <a:t>ANOVA test results for fuel and engine type variables:</a:t>
+            </a:r>
+            <a:endParaRPr lang="hi-IN" sz="3000" dirty="0">
+              <a:solidFill>
+                <a:schemeClr val="accent1"/>
+              </a:solidFill>
+            </a:endParaRPr>
+          </a:p>
+        </p:txBody>
+      </p:sp>
+      <p:pic>
+        <p:nvPicPr>
+          <p:cNvPr id="5" name="Picture 4" descr="Text&#10;&#10;Description automatically generated">
+            <a:extLst>
+              <a:ext uri="{FF2B5EF4-FFF2-40B4-BE49-F238E27FC236}">
+                <a16:creationId xmlns:a16="http://schemas.microsoft.com/office/drawing/2014/main" id="{9701FEBF-BAAB-6813-3D83-97632AE29B15}"/>
+              </a:ext>
+            </a:extLst>
+          </p:cNvPr>
+          <p:cNvPicPr>
+            <a:picLocks noChangeAspect="1"/>
+          </p:cNvPicPr>
+          <p:nvPr/>
+        </p:nvPicPr>
+        <p:blipFill>
+          <a:blip r:embed="rId2">
+            <a:extLst>
+              <a:ext uri="{28A0092B-C50C-407E-A947-70E740481C1C}">
+                <a14:useLocalDpi xmlns:a14="http://schemas.microsoft.com/office/drawing/2010/main" val="0"/>
+              </a:ext>
+            </a:extLst>
+          </a:blip>
+          <a:stretch>
+            <a:fillRect/>
+          </a:stretch>
+        </p:blipFill>
+        <p:spPr>
+          <a:xfrm>
+            <a:off x="1669254" y="1902978"/>
+            <a:ext cx="8216578" cy="3289589"/>
+          </a:xfrm>
+          <a:prstGeom prst="rect">
+            <a:avLst/>
+          </a:prstGeom>
+        </p:spPr>
+      </p:pic>
+    </p:spTree>
+    <p:extLst>
+      <p:ext uri="{BB962C8B-B14F-4D97-AF65-F5344CB8AC3E}">
+        <p14:creationId xmlns:p14="http://schemas.microsoft.com/office/powerpoint/2010/main" val="3511091616"/>
+      </p:ext>
+    </p:extLst>
+  </p:cSld>
+  <p:clrMapOvr>
+    <a:masterClrMapping/>
+  </p:clrMapOvr>
+</p:sld>
+</file>
+
+<file path=ppt/slides/slide16.xml><?xml version="1.0" encoding="utf-8"?>
+<p:sld xmlns:a="http://schemas.openxmlformats.org/drawingml/2006/main" xmlns:r="http://schemas.openxmlformats.org/officeDocument/2006/relationships" xmlns:p="http://schemas.openxmlformats.org/presentationml/2006/main">
+  <p:cSld>
+    <p:spTree>
+      <p:nvGrpSpPr>
+        <p:cNvPr id="1" name=""/>
+        <p:cNvGrpSpPr/>
+        <p:nvPr/>
+      </p:nvGrpSpPr>
+      <p:grpSpPr>
+        <a:xfrm>
+          <a:off x="0" y="0"/>
+          <a:ext cx="0" cy="0"/>
+          <a:chOff x="0" y="0"/>
+          <a:chExt cx="0" cy="0"/>
+        </a:xfrm>
+      </p:grpSpPr>
+      <p:sp>
+        <p:nvSpPr>
+          <p:cNvPr id="2" name="Title 1">
+            <a:extLst>
+              <a:ext uri="{FF2B5EF4-FFF2-40B4-BE49-F238E27FC236}">
+                <a16:creationId xmlns:a16="http://schemas.microsoft.com/office/drawing/2014/main" id="{D66CC6B5-A4CA-4603-4E14-EDD54E0AEE87}"/>
+              </a:ext>
+            </a:extLst>
+          </p:cNvPr>
+          <p:cNvSpPr>
+            <a:spLocks noGrp="1"/>
+          </p:cNvSpPr>
+          <p:nvPr>
+            <p:ph type="title"/>
+          </p:nvPr>
+        </p:nvSpPr>
+        <p:spPr>
+          <a:xfrm>
+            <a:off x="388730" y="215900"/>
+            <a:ext cx="10464182" cy="1109662"/>
+          </a:xfrm>
+        </p:spPr>
+        <p:txBody>
+          <a:bodyPr>
+            <a:normAutofit/>
+          </a:bodyPr>
+          <a:lstStyle/>
+          <a:p>
+            <a:r>
+              <a:rPr lang="en-US" sz="3000" b="1" i="0" dirty="0">
+                <a:solidFill>
+                  <a:schemeClr val="accent1"/>
+                </a:solidFill>
+                <a:effectLst/>
+                <a:latin typeface="Calibri" panose="020F0502020204030204" pitchFamily="34" charset="0"/>
+                <a:cs typeface="Calibri" panose="020F0502020204030204" pitchFamily="34" charset="0"/>
+              </a:rPr>
+              <a:t>Are the prices of the cars different based on the transmission type and </a:t>
+            </a:r>
+            <a:r>
+              <a:rPr lang="en-IN" sz="3000" b="1" i="0" dirty="0">
+                <a:solidFill>
+                  <a:schemeClr val="accent1"/>
+                </a:solidFill>
+                <a:effectLst/>
+                <a:latin typeface="Calibri" panose="020F0502020204030204" pitchFamily="34" charset="0"/>
+                <a:cs typeface="Calibri" panose="020F0502020204030204" pitchFamily="34" charset="0"/>
+              </a:rPr>
+              <a:t>e</a:t>
+            </a:r>
+            <a:r>
+              <a:rPr lang="en-IN" sz="3000" b="1" dirty="0">
+                <a:solidFill>
+                  <a:schemeClr val="accent1"/>
+                </a:solidFill>
+                <a:latin typeface="Calibri" panose="020F0502020204030204" pitchFamily="34" charset="0"/>
+                <a:cs typeface="Calibri" panose="020F0502020204030204" pitchFamily="34" charset="0"/>
+              </a:rPr>
+              <a:t>ngine capacity?</a:t>
+            </a:r>
+            <a:endParaRPr lang="hi-IN" sz="3000" dirty="0">
+              <a:solidFill>
+                <a:schemeClr val="accent1"/>
+              </a:solidFill>
+            </a:endParaRPr>
+          </a:p>
+        </p:txBody>
+      </p:sp>
+      <p:pic>
+        <p:nvPicPr>
+          <p:cNvPr id="3" name="Content Placeholder 4">
+            <a:extLst>
+              <a:ext uri="{FF2B5EF4-FFF2-40B4-BE49-F238E27FC236}">
+                <a16:creationId xmlns:a16="http://schemas.microsoft.com/office/drawing/2014/main" id="{AE289D56-B51D-8EAB-5DDE-F2A72246028E}"/>
+              </a:ext>
+            </a:extLst>
+          </p:cNvPr>
+          <p:cNvPicPr>
+            <a:picLocks noChangeAspect="1"/>
+          </p:cNvPicPr>
+          <p:nvPr/>
+        </p:nvPicPr>
+        <p:blipFill>
+          <a:blip r:embed="rId2"/>
+          <a:stretch>
+            <a:fillRect/>
+          </a:stretch>
+        </p:blipFill>
+        <p:spPr>
+          <a:xfrm>
+            <a:off x="477630" y="1983914"/>
+            <a:ext cx="4938440" cy="3282541"/>
+          </a:xfrm>
+          <a:prstGeom prst="rect">
+            <a:avLst/>
+          </a:prstGeom>
+        </p:spPr>
+      </p:pic>
+      <p:pic>
+        <p:nvPicPr>
+          <p:cNvPr id="4" name="Picture 3">
+            <a:extLst>
+              <a:ext uri="{FF2B5EF4-FFF2-40B4-BE49-F238E27FC236}">
+                <a16:creationId xmlns:a16="http://schemas.microsoft.com/office/drawing/2014/main" id="{DB16CC30-ABEB-FE1C-BE00-0A0C3EC1A3D6}"/>
+              </a:ext>
+            </a:extLst>
+          </p:cNvPr>
+          <p:cNvPicPr>
+            <a:picLocks noChangeAspect="1"/>
+          </p:cNvPicPr>
+          <p:nvPr/>
+        </p:nvPicPr>
+        <p:blipFill>
+          <a:blip r:embed="rId3"/>
+          <a:stretch>
+            <a:fillRect/>
+          </a:stretch>
+        </p:blipFill>
+        <p:spPr>
+          <a:xfrm>
+            <a:off x="5722421" y="1986628"/>
+            <a:ext cx="5320235" cy="3279827"/>
+          </a:xfrm>
+          <a:prstGeom prst="rect">
+            <a:avLst/>
+          </a:prstGeom>
+        </p:spPr>
+      </p:pic>
+    </p:spTree>
+    <p:extLst>
+      <p:ext uri="{BB962C8B-B14F-4D97-AF65-F5344CB8AC3E}">
+        <p14:creationId xmlns:p14="http://schemas.microsoft.com/office/powerpoint/2010/main" val="2836972273"/>
+      </p:ext>
+    </p:extLst>
+  </p:cSld>
+  <p:clrMapOvr>
+    <a:masterClrMapping/>
+  </p:clrMapOvr>
+</p:sld>
+</file>
+
+<file path=ppt/slides/slide17.xml><?xml version="1.0" encoding="utf-8"?>
+<p:sld xmlns:a="http://schemas.openxmlformats.org/drawingml/2006/main" xmlns:r="http://schemas.openxmlformats.org/officeDocument/2006/relationships" xmlns:p="http://schemas.openxmlformats.org/presentationml/2006/main">
+  <p:cSld>
+    <p:spTree>
+      <p:nvGrpSpPr>
+        <p:cNvPr id="1" name=""/>
+        <p:cNvGrpSpPr/>
+        <p:nvPr/>
+      </p:nvGrpSpPr>
+      <p:grpSpPr>
+        <a:xfrm>
+          <a:off x="0" y="0"/>
+          <a:ext cx="0" cy="0"/>
+          <a:chOff x="0" y="0"/>
+          <a:chExt cx="0" cy="0"/>
+        </a:xfrm>
+      </p:grpSpPr>
+      <p:sp>
+        <p:nvSpPr>
+          <p:cNvPr id="2" name="Title 1">
+            <a:extLst>
+              <a:ext uri="{FF2B5EF4-FFF2-40B4-BE49-F238E27FC236}">
                 <a16:creationId xmlns:a16="http://schemas.microsoft.com/office/drawing/2014/main" id="{D66CC6B5-A4CA-4603-4E14-EDD54E0AEE87}"/>
               </a:ext>
             </a:extLst>
@@ -4405,7 +5509,7 @@
 </p:sld>
 </file>
 
-<file path=ppt/slides/slide11.xml><?xml version="1.0" encoding="utf-8"?>
+<file path=ppt/slides/slide18.xml><?xml version="1.0" encoding="utf-8"?>
 <p:sld xmlns:a="http://schemas.openxmlformats.org/drawingml/2006/main" xmlns:r="http://schemas.openxmlformats.org/officeDocument/2006/relationships" xmlns:p="http://schemas.openxmlformats.org/presentationml/2006/main">
   <p:cSld>
     <p:spTree>
@@ -4560,7 +5664,7 @@
 </p:sld>
 </file>
 
-<file path=ppt/slides/slide12.xml><?xml version="1.0" encoding="utf-8"?>
+<file path=ppt/slides/slide19.xml><?xml version="1.0" encoding="utf-8"?>
 <p:sld xmlns:a="http://schemas.openxmlformats.org/drawingml/2006/main" xmlns:r="http://schemas.openxmlformats.org/officeDocument/2006/relationships" xmlns:p="http://schemas.openxmlformats.org/presentationml/2006/main">
   <p:cSld>
     <p:spTree>
@@ -4690,7 +5794,116 @@
 </p:sld>
 </file>
 
-<file path=ppt/slides/slide13.xml><?xml version="1.0" encoding="utf-8"?>
+<file path=ppt/slides/slide2.xml><?xml version="1.0" encoding="utf-8"?>
+<p:sld xmlns:a="http://schemas.openxmlformats.org/drawingml/2006/main" xmlns:r="http://schemas.openxmlformats.org/officeDocument/2006/relationships" xmlns:p="http://schemas.openxmlformats.org/presentationml/2006/main">
+  <p:cSld>
+    <p:spTree>
+      <p:nvGrpSpPr>
+        <p:cNvPr id="1" name=""/>
+        <p:cNvGrpSpPr/>
+        <p:nvPr/>
+      </p:nvGrpSpPr>
+      <p:grpSpPr>
+        <a:xfrm>
+          <a:off x="0" y="0"/>
+          <a:ext cx="0" cy="0"/>
+          <a:chOff x="0" y="0"/>
+          <a:chExt cx="0" cy="0"/>
+        </a:xfrm>
+      </p:grpSpPr>
+      <p:sp>
+        <p:nvSpPr>
+          <p:cNvPr id="2" name="Title 1">
+            <a:extLst>
+              <a:ext uri="{FF2B5EF4-FFF2-40B4-BE49-F238E27FC236}">
+                <a16:creationId xmlns:a16="http://schemas.microsoft.com/office/drawing/2014/main" id="{668610A0-ABCF-3E18-E54A-6B087C7FE0AE}"/>
+              </a:ext>
+            </a:extLst>
+          </p:cNvPr>
+          <p:cNvSpPr txBox="1">
+            <a:spLocks/>
+          </p:cNvSpPr>
+          <p:nvPr/>
+        </p:nvSpPr>
+        <p:spPr>
+          <a:xfrm>
+            <a:off x="166647" y="2647729"/>
+            <a:ext cx="10889973" cy="1745422"/>
+          </a:xfrm>
+          <a:prstGeom prst="rect">
+            <a:avLst/>
+          </a:prstGeom>
+        </p:spPr>
+        <p:txBody>
+          <a:bodyPr vert="horz" lIns="91440" tIns="45720" rIns="91440" bIns="45720" rtlCol="0">
+            <a:normAutofit/>
+          </a:bodyPr>
+          <a:lstStyle>
+            <a:lvl1pPr algn="l" defTabSz="914400" rtl="0" eaLnBrk="1" latinLnBrk="0" hangingPunct="1">
+              <a:lnSpc>
+                <a:spcPct val="90000"/>
+              </a:lnSpc>
+              <a:spcBef>
+                <a:spcPct val="0"/>
+              </a:spcBef>
+              <a:buNone/>
+              <a:defRPr sz="4400" kern="1200" spc="-50" baseline="0">
+                <a:solidFill>
+                  <a:schemeClr val="tx1"/>
+                </a:solidFill>
+                <a:latin typeface="+mj-lt"/>
+                <a:ea typeface="+mj-ea"/>
+                <a:cs typeface="+mj-cs"/>
+              </a:defRPr>
+            </a:lvl1pPr>
+          </a:lstStyle>
+          <a:p>
+            <a:r>
+              <a:rPr lang="en-US" sz="4500" b="1" dirty="0">
+                <a:solidFill>
+                  <a:schemeClr val="accent1"/>
+                </a:solidFill>
+                <a:latin typeface="Calibri" panose="020F0502020204030204" pitchFamily="34" charset="0"/>
+                <a:cs typeface="Calibri" panose="020F0502020204030204" pitchFamily="34" charset="0"/>
+              </a:rPr>
+              <a:t>SMART QUESTION: </a:t>
+            </a:r>
+            <a:r>
+              <a:rPr lang="en-US" sz="4500" dirty="0">
+                <a:solidFill>
+                  <a:schemeClr val="accent1"/>
+                </a:solidFill>
+                <a:latin typeface="Calibri" panose="020F0502020204030204" pitchFamily="34" charset="0"/>
+                <a:cs typeface="Calibri" panose="020F0502020204030204" pitchFamily="34" charset="0"/>
+              </a:rPr>
+              <a:t>What features are affecting the price of a used car?</a:t>
+            </a:r>
+          </a:p>
+          <a:p>
+            <a:endParaRPr lang="en-US" sz="4800" b="1" dirty="0">
+              <a:solidFill>
+                <a:schemeClr val="accent1"/>
+              </a:solidFill>
+              <a:latin typeface="Calibri" panose="020F0502020204030204" pitchFamily="34" charset="0"/>
+              <a:cs typeface="Calibri" panose="020F0502020204030204" pitchFamily="34" charset="0"/>
+            </a:endParaRPr>
+          </a:p>
+        </p:txBody>
+      </p:sp>
+    </p:spTree>
+    <p:extLst>
+      <p:ext uri="{BB962C8B-B14F-4D97-AF65-F5344CB8AC3E}">
+        <p14:creationId xmlns:p14="http://schemas.microsoft.com/office/powerpoint/2010/main" val="3602949675"/>
+      </p:ext>
+    </p:extLst>
+  </p:cSld>
+  <p:clrMapOvr>
+    <a:masterClrMapping/>
+  </p:clrMapOvr>
+</p:sld>
+</file>
+
+<file path=ppt/slides/slide20.xml><?xml version="1.0" encoding="utf-8"?>
 <p:sld xmlns:a="http://schemas.openxmlformats.org/drawingml/2006/main" xmlns:r="http://schemas.openxmlformats.org/officeDocument/2006/relationships" xmlns:p="http://schemas.openxmlformats.org/presentationml/2006/main">
   <p:cSld>
     <p:spTree>
@@ -4741,115 +5954,6 @@
     <p:extLst>
       <p:ext uri="{BB962C8B-B14F-4D97-AF65-F5344CB8AC3E}">
         <p14:creationId xmlns:p14="http://schemas.microsoft.com/office/powerpoint/2010/main" val="1004311777"/>
-      </p:ext>
-    </p:extLst>
-  </p:cSld>
-  <p:clrMapOvr>
-    <a:masterClrMapping/>
-  </p:clrMapOvr>
-</p:sld>
-</file>
-
-<file path=ppt/slides/slide2.xml><?xml version="1.0" encoding="utf-8"?>
-<p:sld xmlns:a="http://schemas.openxmlformats.org/drawingml/2006/main" xmlns:r="http://schemas.openxmlformats.org/officeDocument/2006/relationships" xmlns:p="http://schemas.openxmlformats.org/presentationml/2006/main">
-  <p:cSld>
-    <p:spTree>
-      <p:nvGrpSpPr>
-        <p:cNvPr id="1" name=""/>
-        <p:cNvGrpSpPr/>
-        <p:nvPr/>
-      </p:nvGrpSpPr>
-      <p:grpSpPr>
-        <a:xfrm>
-          <a:off x="0" y="0"/>
-          <a:ext cx="0" cy="0"/>
-          <a:chOff x="0" y="0"/>
-          <a:chExt cx="0" cy="0"/>
-        </a:xfrm>
-      </p:grpSpPr>
-      <p:sp>
-        <p:nvSpPr>
-          <p:cNvPr id="2" name="Title 1">
-            <a:extLst>
-              <a:ext uri="{FF2B5EF4-FFF2-40B4-BE49-F238E27FC236}">
-                <a16:creationId xmlns:a16="http://schemas.microsoft.com/office/drawing/2014/main" id="{668610A0-ABCF-3E18-E54A-6B087C7FE0AE}"/>
-              </a:ext>
-            </a:extLst>
-          </p:cNvPr>
-          <p:cNvSpPr txBox="1">
-            <a:spLocks/>
-          </p:cNvSpPr>
-          <p:nvPr/>
-        </p:nvSpPr>
-        <p:spPr>
-          <a:xfrm>
-            <a:off x="166647" y="2647729"/>
-            <a:ext cx="10889973" cy="1745422"/>
-          </a:xfrm>
-          <a:prstGeom prst="rect">
-            <a:avLst/>
-          </a:prstGeom>
-        </p:spPr>
-        <p:txBody>
-          <a:bodyPr vert="horz" lIns="91440" tIns="45720" rIns="91440" bIns="45720" rtlCol="0">
-            <a:normAutofit/>
-          </a:bodyPr>
-          <a:lstStyle>
-            <a:lvl1pPr algn="l" defTabSz="914400" rtl="0" eaLnBrk="1" latinLnBrk="0" hangingPunct="1">
-              <a:lnSpc>
-                <a:spcPct val="90000"/>
-              </a:lnSpc>
-              <a:spcBef>
-                <a:spcPct val="0"/>
-              </a:spcBef>
-              <a:buNone/>
-              <a:defRPr sz="4400" kern="1200" spc="-50" baseline="0">
-                <a:solidFill>
-                  <a:schemeClr val="tx1"/>
-                </a:solidFill>
-                <a:latin typeface="+mj-lt"/>
-                <a:ea typeface="+mj-ea"/>
-                <a:cs typeface="+mj-cs"/>
-              </a:defRPr>
-            </a:lvl1pPr>
-          </a:lstStyle>
-          <a:p>
-            <a:r>
-              <a:rPr lang="en-US" sz="4500" b="1" dirty="0">
-                <a:solidFill>
-                  <a:schemeClr val="accent1"/>
-                </a:solidFill>
-                <a:latin typeface="Calibri" panose="020F0502020204030204" pitchFamily="34" charset="0"/>
-                <a:cs typeface="Calibri" panose="020F0502020204030204" pitchFamily="34" charset="0"/>
-              </a:rPr>
-              <a:t>SMART QUESTION: </a:t>
-            </a:r>
-            <a:r>
-              <a:rPr lang="en-US" sz="4500" dirty="0">
-                <a:solidFill>
-                  <a:schemeClr val="accent1"/>
-                </a:solidFill>
-                <a:latin typeface="Calibri" panose="020F0502020204030204" pitchFamily="34" charset="0"/>
-                <a:cs typeface="Calibri" panose="020F0502020204030204" pitchFamily="34" charset="0"/>
-              </a:rPr>
-              <a:t>What features are affecting the price of a used car?</a:t>
-            </a:r>
-          </a:p>
-          <a:p>
-            <a:endParaRPr lang="en-US" sz="4800" b="1" dirty="0">
-              <a:solidFill>
-                <a:schemeClr val="accent1"/>
-              </a:solidFill>
-              <a:latin typeface="Calibri" panose="020F0502020204030204" pitchFamily="34" charset="0"/>
-              <a:cs typeface="Calibri" panose="020F0502020204030204" pitchFamily="34" charset="0"/>
-            </a:endParaRPr>
-          </a:p>
-        </p:txBody>
-      </p:sp>
-    </p:spTree>
-    <p:extLst>
-      <p:ext uri="{BB962C8B-B14F-4D97-AF65-F5344CB8AC3E}">
-        <p14:creationId xmlns:p14="http://schemas.microsoft.com/office/powerpoint/2010/main" val="3602949675"/>
       </p:ext>
     </p:extLst>
   </p:cSld>

--- a/Team 8_UsedCarsPricePrediction.pptx
+++ b/Team 8_UsedCarsPricePrediction.pptx
@@ -200,6 +200,22 @@
     </pc:docChg>
   </pc:docChgLst>
   <pc:docChgLst>
+    <pc:chgData name="Yashwant Bhaidkar" userId="43c987480cbf8a3d" providerId="LiveId" clId="{9807B0F9-CC55-4324-A22A-3F3F4AFA0AF8}"/>
+    <pc:docChg chg="addSld modSld">
+      <pc:chgData name="Yashwant Bhaidkar" userId="43c987480cbf8a3d" providerId="LiveId" clId="{9807B0F9-CC55-4324-A22A-3F3F4AFA0AF8}" dt="2022-10-27T04:03:07.079" v="0"/>
+      <pc:docMkLst>
+        <pc:docMk/>
+      </pc:docMkLst>
+      <pc:sldChg chg="add">
+        <pc:chgData name="Yashwant Bhaidkar" userId="43c987480cbf8a3d" providerId="LiveId" clId="{9807B0F9-CC55-4324-A22A-3F3F4AFA0AF8}" dt="2022-10-27T04:03:07.079" v="0"/>
+        <pc:sldMkLst>
+          <pc:docMk/>
+          <pc:sldMk cId="3860445074" sldId="279"/>
+        </pc:sldMkLst>
+      </pc:sldChg>
+    </pc:docChg>
+  </pc:docChgLst>
+  <pc:docChgLst>
     <pc:chgData name="Yashwant Bhaidkar" userId="43c987480cbf8a3d" providerId="LiveId" clId="{73DD499E-E36D-441F-9DD7-CB1A260157A9}"/>
     <pc:docChg chg="addSld delSld modSld">
       <pc:chgData name="Yashwant Bhaidkar" userId="43c987480cbf8a3d" providerId="LiveId" clId="{73DD499E-E36D-441F-9DD7-CB1A260157A9}" dt="2022-10-27T03:53:06.907" v="5" actId="47"/>
@@ -287,22 +303,6 @@
       </pc:sldChg>
     </pc:docChg>
   </pc:docChgLst>
-  <pc:docChgLst>
-    <pc:chgData name="Yashwant Bhaidkar" userId="43c987480cbf8a3d" providerId="LiveId" clId="{9807B0F9-CC55-4324-A22A-3F3F4AFA0AF8}"/>
-    <pc:docChg chg="addSld modSld">
-      <pc:chgData name="Yashwant Bhaidkar" userId="43c987480cbf8a3d" providerId="LiveId" clId="{9807B0F9-CC55-4324-A22A-3F3F4AFA0AF8}" dt="2022-10-27T04:03:07.079" v="0"/>
-      <pc:docMkLst>
-        <pc:docMk/>
-      </pc:docMkLst>
-      <pc:sldChg chg="add">
-        <pc:chgData name="Yashwant Bhaidkar" userId="43c987480cbf8a3d" providerId="LiveId" clId="{9807B0F9-CC55-4324-A22A-3F3F4AFA0AF8}" dt="2022-10-27T04:03:07.079" v="0"/>
-        <pc:sldMkLst>
-          <pc:docMk/>
-          <pc:sldMk cId="3860445074" sldId="279"/>
-        </pc:sldMkLst>
-      </pc:sldChg>
-    </pc:docChg>
-  </pc:docChgLst>
 </pc:chgInfo>
 </file>
 
@@ -474,7 +474,7 @@
           <a:p>
             <a:fld id="{BE393F72-8C5B-40D4-BCB1-7EEE547C6601}" type="datetimeFigureOut">
               <a:rPr lang="en-US" smtClean="0"/>
-              <a:t>10/30/2022</a:t>
+              <a:t>11/1/22</a:t>
             </a:fld>
             <a:endParaRPr lang="en-US"/>
           </a:p>
@@ -702,7 +702,7 @@
           <a:p>
             <a:fld id="{BE393F72-8C5B-40D4-BCB1-7EEE547C6601}" type="datetimeFigureOut">
               <a:rPr lang="en-US" smtClean="0"/>
-              <a:t>10/30/2022</a:t>
+              <a:t>11/1/22</a:t>
             </a:fld>
             <a:endParaRPr lang="en-US"/>
           </a:p>
@@ -882,7 +882,7 @@
           <a:p>
             <a:fld id="{BE393F72-8C5B-40D4-BCB1-7EEE547C6601}" type="datetimeFigureOut">
               <a:rPr lang="en-US" smtClean="0"/>
-              <a:t>10/30/2022</a:t>
+              <a:t>11/1/22</a:t>
             </a:fld>
             <a:endParaRPr lang="en-US"/>
           </a:p>
@@ -1052,7 +1052,7 @@
           <a:p>
             <a:fld id="{BE393F72-8C5B-40D4-BCB1-7EEE547C6601}" type="datetimeFigureOut">
               <a:rPr lang="en-US" smtClean="0"/>
-              <a:t>10/30/2022</a:t>
+              <a:t>11/1/22</a:t>
             </a:fld>
             <a:endParaRPr lang="en-US"/>
           </a:p>
@@ -1306,7 +1306,7 @@
           <a:p>
             <a:fld id="{BE393F72-8C5B-40D4-BCB1-7EEE547C6601}" type="datetimeFigureOut">
               <a:rPr lang="en-US" smtClean="0"/>
-              <a:t>10/30/2022</a:t>
+              <a:t>11/1/22</a:t>
             </a:fld>
             <a:endParaRPr lang="en-US"/>
           </a:p>
@@ -1632,7 +1632,7 @@
           <a:p>
             <a:fld id="{BE393F72-8C5B-40D4-BCB1-7EEE547C6601}" type="datetimeFigureOut">
               <a:rPr lang="en-US" smtClean="0"/>
-              <a:t>10/30/2022</a:t>
+              <a:t>11/1/22</a:t>
             </a:fld>
             <a:endParaRPr lang="en-US"/>
           </a:p>
@@ -2083,7 +2083,7 @@
           <a:p>
             <a:fld id="{BE393F72-8C5B-40D4-BCB1-7EEE547C6601}" type="datetimeFigureOut">
               <a:rPr lang="en-US" smtClean="0"/>
-              <a:t>10/30/2022</a:t>
+              <a:t>11/1/22</a:t>
             </a:fld>
             <a:endParaRPr lang="en-US"/>
           </a:p>
@@ -2201,7 +2201,7 @@
           <a:p>
             <a:fld id="{BE393F72-8C5B-40D4-BCB1-7EEE547C6601}" type="datetimeFigureOut">
               <a:rPr lang="en-US" smtClean="0"/>
-              <a:t>10/30/2022</a:t>
+              <a:t>11/1/22</a:t>
             </a:fld>
             <a:endParaRPr lang="en-US"/>
           </a:p>
@@ -2296,7 +2296,7 @@
           <a:p>
             <a:fld id="{BE393F72-8C5B-40D4-BCB1-7EEE547C6601}" type="datetimeFigureOut">
               <a:rPr lang="en-US" smtClean="0"/>
-              <a:t>10/30/2022</a:t>
+              <a:t>11/1/22</a:t>
             </a:fld>
             <a:endParaRPr lang="en-US"/>
           </a:p>
@@ -2583,7 +2583,7 @@
           <a:p>
             <a:fld id="{BE393F72-8C5B-40D4-BCB1-7EEE547C6601}" type="datetimeFigureOut">
               <a:rPr lang="en-US" smtClean="0"/>
-              <a:t>10/30/2022</a:t>
+              <a:t>11/1/22</a:t>
             </a:fld>
             <a:endParaRPr lang="en-US"/>
           </a:p>
@@ -2905,7 +2905,7 @@
           <a:p>
             <a:fld id="{BE393F72-8C5B-40D4-BCB1-7EEE547C6601}" type="datetimeFigureOut">
               <a:rPr lang="en-US" smtClean="0"/>
-              <a:t>10/30/2022</a:t>
+              <a:t>11/1/22</a:t>
             </a:fld>
             <a:endParaRPr lang="en-US"/>
           </a:p>
@@ -3159,7 +3159,7 @@
           <a:p>
             <a:fld id="{BE393F72-8C5B-40D4-BCB1-7EEE547C6601}" type="datetimeFigureOut">
               <a:rPr lang="en-US" smtClean="0"/>
-              <a:t>10/30/2022</a:t>
+              <a:t>11/1/22</a:t>
             </a:fld>
             <a:endParaRPr lang="en-US"/>
           </a:p>
@@ -5125,10 +5125,10 @@
       </p:sp>
       <p:pic>
         <p:nvPicPr>
-          <p:cNvPr id="5" name="Picture 4" descr="Text&#10;&#10;Description automatically generated">
+          <p:cNvPr id="4" name="Picture 3" descr="Text&#10;&#10;Description automatically generated with low confidence">
             <a:extLst>
               <a:ext uri="{FF2B5EF4-FFF2-40B4-BE49-F238E27FC236}">
-                <a16:creationId xmlns:a16="http://schemas.microsoft.com/office/drawing/2014/main" id="{9701FEBF-BAAB-6813-3D83-97632AE29B15}"/>
+                <a16:creationId xmlns:a16="http://schemas.microsoft.com/office/drawing/2014/main" id="{78312144-E624-F4B6-F625-F3A3AA0DC9EE}"/>
               </a:ext>
             </a:extLst>
           </p:cNvPr>
@@ -5151,8 +5151,44 @@
         </p:blipFill>
         <p:spPr>
           <a:xfrm>
-            <a:off x="1669254" y="1902978"/>
-            <a:ext cx="8216578" cy="3289589"/>
+            <a:off x="1407967" y="3838864"/>
+            <a:ext cx="7902287" cy="1515918"/>
+          </a:xfrm>
+          <a:prstGeom prst="rect">
+            <a:avLst/>
+          </a:prstGeom>
+        </p:spPr>
+      </p:pic>
+      <p:pic>
+        <p:nvPicPr>
+          <p:cNvPr id="7" name="Picture 6" descr="Text&#10;&#10;Description automatically generated">
+            <a:extLst>
+              <a:ext uri="{FF2B5EF4-FFF2-40B4-BE49-F238E27FC236}">
+                <a16:creationId xmlns:a16="http://schemas.microsoft.com/office/drawing/2014/main" id="{771565EB-81FF-0BFB-19EC-C103AA0DF590}"/>
+              </a:ext>
+            </a:extLst>
+          </p:cNvPr>
+          <p:cNvPicPr>
+            <a:picLocks noChangeAspect="1"/>
+          </p:cNvPicPr>
+          <p:nvPr/>
+        </p:nvPicPr>
+        <p:blipFill>
+          <a:blip r:embed="rId3">
+            <a:extLst>
+              <a:ext uri="{28A0092B-C50C-407E-A947-70E740481C1C}">
+                <a14:useLocalDpi xmlns:a14="http://schemas.microsoft.com/office/drawing/2010/main" val="0"/>
+              </a:ext>
+            </a:extLst>
+          </a:blip>
+          <a:stretch>
+            <a:fillRect/>
+          </a:stretch>
+        </p:blipFill>
+        <p:spPr>
+          <a:xfrm>
+            <a:off x="1407968" y="2169391"/>
+            <a:ext cx="7736032" cy="1515918"/>
           </a:xfrm>
           <a:prstGeom prst="rect">
             <a:avLst/>
@@ -5438,10 +5474,10 @@
       </p:sp>
       <p:pic>
         <p:nvPicPr>
-          <p:cNvPr id="5" name="Picture 4">
+          <p:cNvPr id="3" name="Picture 2">
             <a:extLst>
               <a:ext uri="{FF2B5EF4-FFF2-40B4-BE49-F238E27FC236}">
-                <a16:creationId xmlns:a16="http://schemas.microsoft.com/office/drawing/2014/main" id="{F25C41AD-4210-7144-BF86-BF415826C1CA}"/>
+                <a16:creationId xmlns:a16="http://schemas.microsoft.com/office/drawing/2014/main" id="{0C7F57C4-D2BE-1BDB-D48F-78AADBD1342B}"/>
               </a:ext>
             </a:extLst>
           </p:cNvPr>
@@ -5458,8 +5494,8 @@
         </p:blipFill>
         <p:spPr>
           <a:xfrm>
-            <a:off x="780420" y="2324859"/>
-            <a:ext cx="4754644" cy="3327400"/>
+            <a:off x="5535064" y="2059815"/>
+            <a:ext cx="5294070" cy="3592444"/>
           </a:xfrm>
           <a:prstGeom prst="rect">
             <a:avLst/>
@@ -5468,10 +5504,10 @@
       </p:pic>
       <p:pic>
         <p:nvPicPr>
-          <p:cNvPr id="6" name="Picture 5">
+          <p:cNvPr id="7" name="Picture 6" descr="Text, letter&#10;&#10;Description automatically generated">
             <a:extLst>
               <a:ext uri="{FF2B5EF4-FFF2-40B4-BE49-F238E27FC236}">
-                <a16:creationId xmlns:a16="http://schemas.microsoft.com/office/drawing/2014/main" id="{91E0F5E5-F8EF-0B87-7CD3-B5C5207C09EC}"/>
+                <a16:creationId xmlns:a16="http://schemas.microsoft.com/office/drawing/2014/main" id="{1C172B64-0E28-13D1-D890-1ECF36294D2A}"/>
               </a:ext>
             </a:extLst>
           </p:cNvPr>
@@ -5481,15 +5517,21 @@
           <p:nvPr/>
         </p:nvPicPr>
         <p:blipFill>
-          <a:blip r:embed="rId3"/>
+          <a:blip r:embed="rId3">
+            <a:extLst>
+              <a:ext uri="{28A0092B-C50C-407E-A947-70E740481C1C}">
+                <a14:useLocalDpi xmlns:a14="http://schemas.microsoft.com/office/drawing/2010/main" val="0"/>
+              </a:ext>
+            </a:extLst>
+          </a:blip>
           <a:stretch>
             <a:fillRect/>
           </a:stretch>
         </p:blipFill>
         <p:spPr>
           <a:xfrm>
-            <a:off x="5535064" y="2059815"/>
-            <a:ext cx="5294070" cy="3327400"/>
+            <a:off x="594606" y="2648479"/>
+            <a:ext cx="5501394" cy="3162300"/>
           </a:xfrm>
           <a:prstGeom prst="rect">
             <a:avLst/>
